--- a/leo-modified.pptx
+++ b/leo-modified.pptx
@@ -5,14 +5,15 @@
     <p:sldMasterId id="2147483648" r:id="rId1"/>
   </p:sldMasterIdLst>
   <p:notesMasterIdLst>
-    <p:notesMasterId r:id="rId7"/>
+    <p:notesMasterId r:id="rId8"/>
   </p:notesMasterIdLst>
   <p:sldIdLst>
     <p:sldId id="256" r:id="rId2"/>
-    <p:sldId id="259" r:id="rId3"/>
+    <p:sldId id="261" r:id="rId3"/>
     <p:sldId id="257" r:id="rId4"/>
-    <p:sldId id="258" r:id="rId5"/>
-    <p:sldId id="260" r:id="rId6"/>
+    <p:sldId id="259" r:id="rId5"/>
+    <p:sldId id="258" r:id="rId6"/>
+    <p:sldId id="260" r:id="rId7"/>
   </p:sldIdLst>
   <p:sldSz cx="12192000" cy="6858000"/>
   <p:notesSz cx="6858000" cy="9144000"/>
@@ -265,38 +266,37 @@
           <a:p>
             <a:pPr lvl="0"/>
             <a:r>
-              <a:rPr lang="en-US" smtClean="0"/>
+              <a:rPr lang="en-US"/>
               <a:t>Click to edit Master text styles</a:t>
             </a:r>
           </a:p>
           <a:p>
             <a:pPr lvl="1"/>
             <a:r>
-              <a:rPr lang="en-US" smtClean="0"/>
+              <a:rPr lang="en-US"/>
               <a:t>Second level</a:t>
             </a:r>
           </a:p>
           <a:p>
             <a:pPr lvl="2"/>
             <a:r>
-              <a:rPr lang="en-US" smtClean="0"/>
+              <a:rPr lang="en-US"/>
               <a:t>Third level</a:t>
             </a:r>
           </a:p>
           <a:p>
             <a:pPr lvl="3"/>
             <a:r>
-              <a:rPr lang="en-US" smtClean="0"/>
+              <a:rPr lang="en-US"/>
               <a:t>Fourth level</a:t>
             </a:r>
           </a:p>
           <a:p>
             <a:pPr lvl="4"/>
             <a:r>
-              <a:rPr lang="en-US" smtClean="0"/>
+              <a:rPr lang="en-US"/>
               <a:t>Fifth level</a:t>
             </a:r>
-            <a:endParaRPr lang="en-US"/>
           </a:p>
         </p:txBody>
       </p:sp>
@@ -491,7 +491,7 @@
           <p:cNvPr id="2" name="Title 1">
             <a:extLst>
               <a:ext uri="{FF2B5EF4-FFF2-40B4-BE49-F238E27FC236}">
-                <a16:creationId xmlns:a16="http://schemas.microsoft.com/office/drawing/2014/main" xmlns="" id="{14D4BF51-2F9E-4159-A8A2-E79CC7BE8547}"/>
+                <a16:creationId xmlns:a16="http://schemas.microsoft.com/office/drawing/2014/main" id="{14D4BF51-2F9E-4159-A8A2-E79CC7BE8547}"/>
               </a:ext>
             </a:extLst>
           </p:cNvPr>
@@ -529,7 +529,7 @@
           <p:cNvPr id="3" name="Subtitle 2">
             <a:extLst>
               <a:ext uri="{FF2B5EF4-FFF2-40B4-BE49-F238E27FC236}">
-                <a16:creationId xmlns:a16="http://schemas.microsoft.com/office/drawing/2014/main" xmlns="" id="{076DA3A8-9EFD-4CAE-8F0D-0E8D2AC88519}"/>
+                <a16:creationId xmlns:a16="http://schemas.microsoft.com/office/drawing/2014/main" id="{076DA3A8-9EFD-4CAE-8F0D-0E8D2AC88519}"/>
               </a:ext>
             </a:extLst>
           </p:cNvPr>
@@ -600,7 +600,7 @@
           <p:cNvPr id="4" name="Date Placeholder 3">
             <a:extLst>
               <a:ext uri="{FF2B5EF4-FFF2-40B4-BE49-F238E27FC236}">
-                <a16:creationId xmlns:a16="http://schemas.microsoft.com/office/drawing/2014/main" xmlns="" id="{F88ABF15-2A67-4486-9B73-F354893951DF}"/>
+                <a16:creationId xmlns:a16="http://schemas.microsoft.com/office/drawing/2014/main" id="{F88ABF15-2A67-4486-9B73-F354893951DF}"/>
               </a:ext>
             </a:extLst>
           </p:cNvPr>
@@ -629,7 +629,7 @@
           <p:cNvPr id="5" name="Footer Placeholder 4">
             <a:extLst>
               <a:ext uri="{FF2B5EF4-FFF2-40B4-BE49-F238E27FC236}">
-                <a16:creationId xmlns:a16="http://schemas.microsoft.com/office/drawing/2014/main" xmlns="" id="{02030F85-660B-4581-9CAB-DBE709C0276B}"/>
+                <a16:creationId xmlns:a16="http://schemas.microsoft.com/office/drawing/2014/main" id="{02030F85-660B-4581-9CAB-DBE709C0276B}"/>
               </a:ext>
             </a:extLst>
           </p:cNvPr>
@@ -654,7 +654,7 @@
           <p:cNvPr id="6" name="Slide Number Placeholder 5">
             <a:extLst>
               <a:ext uri="{FF2B5EF4-FFF2-40B4-BE49-F238E27FC236}">
-                <a16:creationId xmlns:a16="http://schemas.microsoft.com/office/drawing/2014/main" xmlns="" id="{A93804C1-E252-4332-BFDD-AB1DAAADCB04}"/>
+                <a16:creationId xmlns:a16="http://schemas.microsoft.com/office/drawing/2014/main" id="{A93804C1-E252-4332-BFDD-AB1DAAADCB04}"/>
               </a:ext>
             </a:extLst>
           </p:cNvPr>
@@ -713,7 +713,7 @@
           <p:cNvPr id="2" name="Title 1">
             <a:extLst>
               <a:ext uri="{FF2B5EF4-FFF2-40B4-BE49-F238E27FC236}">
-                <a16:creationId xmlns:a16="http://schemas.microsoft.com/office/drawing/2014/main" xmlns="" id="{2E976119-1345-43E2-8C59-208692951F7D}"/>
+                <a16:creationId xmlns:a16="http://schemas.microsoft.com/office/drawing/2014/main" id="{2E976119-1345-43E2-8C59-208692951F7D}"/>
               </a:ext>
             </a:extLst>
           </p:cNvPr>
@@ -742,7 +742,7 @@
           <p:cNvPr id="3" name="Vertical Text Placeholder 2">
             <a:extLst>
               <a:ext uri="{FF2B5EF4-FFF2-40B4-BE49-F238E27FC236}">
-                <a16:creationId xmlns:a16="http://schemas.microsoft.com/office/drawing/2014/main" xmlns="" id="{BB9077FA-27B7-41CE-A252-7CBE3EE10A3B}"/>
+                <a16:creationId xmlns:a16="http://schemas.microsoft.com/office/drawing/2014/main" id="{BB9077FA-27B7-41CE-A252-7CBE3EE10A3B}"/>
               </a:ext>
             </a:extLst>
           </p:cNvPr>
@@ -800,7 +800,7 @@
           <p:cNvPr id="4" name="Date Placeholder 3">
             <a:extLst>
               <a:ext uri="{FF2B5EF4-FFF2-40B4-BE49-F238E27FC236}">
-                <a16:creationId xmlns:a16="http://schemas.microsoft.com/office/drawing/2014/main" xmlns="" id="{5853D134-40AF-42D9-873D-FC45001BF745}"/>
+                <a16:creationId xmlns:a16="http://schemas.microsoft.com/office/drawing/2014/main" id="{5853D134-40AF-42D9-873D-FC45001BF745}"/>
               </a:ext>
             </a:extLst>
           </p:cNvPr>
@@ -829,7 +829,7 @@
           <p:cNvPr id="5" name="Footer Placeholder 4">
             <a:extLst>
               <a:ext uri="{FF2B5EF4-FFF2-40B4-BE49-F238E27FC236}">
-                <a16:creationId xmlns:a16="http://schemas.microsoft.com/office/drawing/2014/main" xmlns="" id="{70DC3A39-FE23-4D70-89D1-8977BA033A6F}"/>
+                <a16:creationId xmlns:a16="http://schemas.microsoft.com/office/drawing/2014/main" id="{70DC3A39-FE23-4D70-89D1-8977BA033A6F}"/>
               </a:ext>
             </a:extLst>
           </p:cNvPr>
@@ -854,7 +854,7 @@
           <p:cNvPr id="6" name="Slide Number Placeholder 5">
             <a:extLst>
               <a:ext uri="{FF2B5EF4-FFF2-40B4-BE49-F238E27FC236}">
-                <a16:creationId xmlns:a16="http://schemas.microsoft.com/office/drawing/2014/main" xmlns="" id="{6075FAE7-F3EA-4303-B942-E14CC2D99FFE}"/>
+                <a16:creationId xmlns:a16="http://schemas.microsoft.com/office/drawing/2014/main" id="{6075FAE7-F3EA-4303-B942-E14CC2D99FFE}"/>
               </a:ext>
             </a:extLst>
           </p:cNvPr>
@@ -913,7 +913,7 @@
           <p:cNvPr id="2" name="Vertical Title 1">
             <a:extLst>
               <a:ext uri="{FF2B5EF4-FFF2-40B4-BE49-F238E27FC236}">
-                <a16:creationId xmlns:a16="http://schemas.microsoft.com/office/drawing/2014/main" xmlns="" id="{21655E55-F07B-421B-AA1E-89B178955F0E}"/>
+                <a16:creationId xmlns:a16="http://schemas.microsoft.com/office/drawing/2014/main" id="{21655E55-F07B-421B-AA1E-89B178955F0E}"/>
               </a:ext>
             </a:extLst>
           </p:cNvPr>
@@ -947,7 +947,7 @@
           <p:cNvPr id="3" name="Vertical Text Placeholder 2">
             <a:extLst>
               <a:ext uri="{FF2B5EF4-FFF2-40B4-BE49-F238E27FC236}">
-                <a16:creationId xmlns:a16="http://schemas.microsoft.com/office/drawing/2014/main" xmlns="" id="{618630CA-F35B-4877-A922-096CFE723FBE}"/>
+                <a16:creationId xmlns:a16="http://schemas.microsoft.com/office/drawing/2014/main" id="{618630CA-F35B-4877-A922-096CFE723FBE}"/>
               </a:ext>
             </a:extLst>
           </p:cNvPr>
@@ -1010,7 +1010,7 @@
           <p:cNvPr id="4" name="Date Placeholder 3">
             <a:extLst>
               <a:ext uri="{FF2B5EF4-FFF2-40B4-BE49-F238E27FC236}">
-                <a16:creationId xmlns:a16="http://schemas.microsoft.com/office/drawing/2014/main" xmlns="" id="{C7D29B75-F3FD-4137-82D1-30A3C9F8D453}"/>
+                <a16:creationId xmlns:a16="http://schemas.microsoft.com/office/drawing/2014/main" id="{C7D29B75-F3FD-4137-82D1-30A3C9F8D453}"/>
               </a:ext>
             </a:extLst>
           </p:cNvPr>
@@ -1039,7 +1039,7 @@
           <p:cNvPr id="5" name="Footer Placeholder 4">
             <a:extLst>
               <a:ext uri="{FF2B5EF4-FFF2-40B4-BE49-F238E27FC236}">
-                <a16:creationId xmlns:a16="http://schemas.microsoft.com/office/drawing/2014/main" xmlns="" id="{21A78B36-0E7A-4C7B-A5E2-96F267BC6DE6}"/>
+                <a16:creationId xmlns:a16="http://schemas.microsoft.com/office/drawing/2014/main" id="{21A78B36-0E7A-4C7B-A5E2-96F267BC6DE6}"/>
               </a:ext>
             </a:extLst>
           </p:cNvPr>
@@ -1064,7 +1064,7 @@
           <p:cNvPr id="6" name="Slide Number Placeholder 5">
             <a:extLst>
               <a:ext uri="{FF2B5EF4-FFF2-40B4-BE49-F238E27FC236}">
-                <a16:creationId xmlns:a16="http://schemas.microsoft.com/office/drawing/2014/main" xmlns="" id="{F02ACA48-3D31-4E3F-8A20-70F3EB14839B}"/>
+                <a16:creationId xmlns:a16="http://schemas.microsoft.com/office/drawing/2014/main" id="{F02ACA48-3D31-4E3F-8A20-70F3EB14839B}"/>
               </a:ext>
             </a:extLst>
           </p:cNvPr>
@@ -1123,7 +1123,7 @@
           <p:cNvPr id="2" name="Title 1">
             <a:extLst>
               <a:ext uri="{FF2B5EF4-FFF2-40B4-BE49-F238E27FC236}">
-                <a16:creationId xmlns:a16="http://schemas.microsoft.com/office/drawing/2014/main" xmlns="" id="{B01854EB-6495-4A65-934F-F9390D8367A5}"/>
+                <a16:creationId xmlns:a16="http://schemas.microsoft.com/office/drawing/2014/main" id="{B01854EB-6495-4A65-934F-F9390D8367A5}"/>
               </a:ext>
             </a:extLst>
           </p:cNvPr>
@@ -1152,7 +1152,7 @@
           <p:cNvPr id="3" name="Content Placeholder 2">
             <a:extLst>
               <a:ext uri="{FF2B5EF4-FFF2-40B4-BE49-F238E27FC236}">
-                <a16:creationId xmlns:a16="http://schemas.microsoft.com/office/drawing/2014/main" xmlns="" id="{B2255540-B843-4AD3-879F-8F89ECB22A4A}"/>
+                <a16:creationId xmlns:a16="http://schemas.microsoft.com/office/drawing/2014/main" id="{B2255540-B843-4AD3-879F-8F89ECB22A4A}"/>
               </a:ext>
             </a:extLst>
           </p:cNvPr>
@@ -1210,7 +1210,7 @@
           <p:cNvPr id="4" name="Date Placeholder 3">
             <a:extLst>
               <a:ext uri="{FF2B5EF4-FFF2-40B4-BE49-F238E27FC236}">
-                <a16:creationId xmlns:a16="http://schemas.microsoft.com/office/drawing/2014/main" xmlns="" id="{10F77D63-B299-4102-8DA3-0F684622EBA8}"/>
+                <a16:creationId xmlns:a16="http://schemas.microsoft.com/office/drawing/2014/main" id="{10F77D63-B299-4102-8DA3-0F684622EBA8}"/>
               </a:ext>
             </a:extLst>
           </p:cNvPr>
@@ -1239,7 +1239,7 @@
           <p:cNvPr id="5" name="Footer Placeholder 4">
             <a:extLst>
               <a:ext uri="{FF2B5EF4-FFF2-40B4-BE49-F238E27FC236}">
-                <a16:creationId xmlns:a16="http://schemas.microsoft.com/office/drawing/2014/main" xmlns="" id="{FDDB0AA4-C0BF-4E6D-B41E-7B8F3FB02341}"/>
+                <a16:creationId xmlns:a16="http://schemas.microsoft.com/office/drawing/2014/main" id="{FDDB0AA4-C0BF-4E6D-B41E-7B8F3FB02341}"/>
               </a:ext>
             </a:extLst>
           </p:cNvPr>
@@ -1264,7 +1264,7 @@
           <p:cNvPr id="6" name="Slide Number Placeholder 5">
             <a:extLst>
               <a:ext uri="{FF2B5EF4-FFF2-40B4-BE49-F238E27FC236}">
-                <a16:creationId xmlns:a16="http://schemas.microsoft.com/office/drawing/2014/main" xmlns="" id="{85EC358E-D3E9-42EB-AF75-23A79E1CB767}"/>
+                <a16:creationId xmlns:a16="http://schemas.microsoft.com/office/drawing/2014/main" id="{85EC358E-D3E9-42EB-AF75-23A79E1CB767}"/>
               </a:ext>
             </a:extLst>
           </p:cNvPr>
@@ -1323,7 +1323,7 @@
           <p:cNvPr id="2" name="Title 1">
             <a:extLst>
               <a:ext uri="{FF2B5EF4-FFF2-40B4-BE49-F238E27FC236}">
-                <a16:creationId xmlns:a16="http://schemas.microsoft.com/office/drawing/2014/main" xmlns="" id="{DE018EFE-ACB0-4D5D-AA87-4A7D5C5E9846}"/>
+                <a16:creationId xmlns:a16="http://schemas.microsoft.com/office/drawing/2014/main" id="{DE018EFE-ACB0-4D5D-AA87-4A7D5C5E9846}"/>
               </a:ext>
             </a:extLst>
           </p:cNvPr>
@@ -1361,7 +1361,7 @@
           <p:cNvPr id="3" name="Text Placeholder 2">
             <a:extLst>
               <a:ext uri="{FF2B5EF4-FFF2-40B4-BE49-F238E27FC236}">
-                <a16:creationId xmlns:a16="http://schemas.microsoft.com/office/drawing/2014/main" xmlns="" id="{3C933F51-1C75-4153-B7D2-BF93451D5CE7}"/>
+                <a16:creationId xmlns:a16="http://schemas.microsoft.com/office/drawing/2014/main" id="{3C933F51-1C75-4153-B7D2-BF93451D5CE7}"/>
               </a:ext>
             </a:extLst>
           </p:cNvPr>
@@ -1486,7 +1486,7 @@
           <p:cNvPr id="4" name="Date Placeholder 3">
             <a:extLst>
               <a:ext uri="{FF2B5EF4-FFF2-40B4-BE49-F238E27FC236}">
-                <a16:creationId xmlns:a16="http://schemas.microsoft.com/office/drawing/2014/main" xmlns="" id="{D4116209-2D40-4661-9394-232875FE5ECD}"/>
+                <a16:creationId xmlns:a16="http://schemas.microsoft.com/office/drawing/2014/main" id="{D4116209-2D40-4661-9394-232875FE5ECD}"/>
               </a:ext>
             </a:extLst>
           </p:cNvPr>
@@ -1515,7 +1515,7 @@
           <p:cNvPr id="5" name="Footer Placeholder 4">
             <a:extLst>
               <a:ext uri="{FF2B5EF4-FFF2-40B4-BE49-F238E27FC236}">
-                <a16:creationId xmlns:a16="http://schemas.microsoft.com/office/drawing/2014/main" xmlns="" id="{B3429003-2A4C-4F04-953D-703E9FA73066}"/>
+                <a16:creationId xmlns:a16="http://schemas.microsoft.com/office/drawing/2014/main" id="{B3429003-2A4C-4F04-953D-703E9FA73066}"/>
               </a:ext>
             </a:extLst>
           </p:cNvPr>
@@ -1540,7 +1540,7 @@
           <p:cNvPr id="6" name="Slide Number Placeholder 5">
             <a:extLst>
               <a:ext uri="{FF2B5EF4-FFF2-40B4-BE49-F238E27FC236}">
-                <a16:creationId xmlns:a16="http://schemas.microsoft.com/office/drawing/2014/main" xmlns="" id="{1A93A3B3-8AE7-4F8C-9F03-933691D5FEA3}"/>
+                <a16:creationId xmlns:a16="http://schemas.microsoft.com/office/drawing/2014/main" id="{1A93A3B3-8AE7-4F8C-9F03-933691D5FEA3}"/>
               </a:ext>
             </a:extLst>
           </p:cNvPr>
@@ -1599,7 +1599,7 @@
           <p:cNvPr id="2" name="Title 1">
             <a:extLst>
               <a:ext uri="{FF2B5EF4-FFF2-40B4-BE49-F238E27FC236}">
-                <a16:creationId xmlns:a16="http://schemas.microsoft.com/office/drawing/2014/main" xmlns="" id="{E6E98C19-5FB3-4302-B37F-6CBFD2A779A0}"/>
+                <a16:creationId xmlns:a16="http://schemas.microsoft.com/office/drawing/2014/main" id="{E6E98C19-5FB3-4302-B37F-6CBFD2A779A0}"/>
               </a:ext>
             </a:extLst>
           </p:cNvPr>
@@ -1628,7 +1628,7 @@
           <p:cNvPr id="3" name="Content Placeholder 2">
             <a:extLst>
               <a:ext uri="{FF2B5EF4-FFF2-40B4-BE49-F238E27FC236}">
-                <a16:creationId xmlns:a16="http://schemas.microsoft.com/office/drawing/2014/main" xmlns="" id="{7E15BE45-1DB6-4988-936C-3D78B16458C5}"/>
+                <a16:creationId xmlns:a16="http://schemas.microsoft.com/office/drawing/2014/main" id="{7E15BE45-1DB6-4988-936C-3D78B16458C5}"/>
               </a:ext>
             </a:extLst>
           </p:cNvPr>
@@ -1691,7 +1691,7 @@
           <p:cNvPr id="4" name="Content Placeholder 3">
             <a:extLst>
               <a:ext uri="{FF2B5EF4-FFF2-40B4-BE49-F238E27FC236}">
-                <a16:creationId xmlns:a16="http://schemas.microsoft.com/office/drawing/2014/main" xmlns="" id="{33A4F03B-8A1A-44A1-B036-F4556954B952}"/>
+                <a16:creationId xmlns:a16="http://schemas.microsoft.com/office/drawing/2014/main" id="{33A4F03B-8A1A-44A1-B036-F4556954B952}"/>
               </a:ext>
             </a:extLst>
           </p:cNvPr>
@@ -1754,7 +1754,7 @@
           <p:cNvPr id="5" name="Date Placeholder 4">
             <a:extLst>
               <a:ext uri="{FF2B5EF4-FFF2-40B4-BE49-F238E27FC236}">
-                <a16:creationId xmlns:a16="http://schemas.microsoft.com/office/drawing/2014/main" xmlns="" id="{2D41AA66-FDAF-4386-B67D-3216DF46219A}"/>
+                <a16:creationId xmlns:a16="http://schemas.microsoft.com/office/drawing/2014/main" id="{2D41AA66-FDAF-4386-B67D-3216DF46219A}"/>
               </a:ext>
             </a:extLst>
           </p:cNvPr>
@@ -1783,7 +1783,7 @@
           <p:cNvPr id="6" name="Footer Placeholder 5">
             <a:extLst>
               <a:ext uri="{FF2B5EF4-FFF2-40B4-BE49-F238E27FC236}">
-                <a16:creationId xmlns:a16="http://schemas.microsoft.com/office/drawing/2014/main" xmlns="" id="{C5E06434-5831-4F7A-9910-57166A819EF0}"/>
+                <a16:creationId xmlns:a16="http://schemas.microsoft.com/office/drawing/2014/main" id="{C5E06434-5831-4F7A-9910-57166A819EF0}"/>
               </a:ext>
             </a:extLst>
           </p:cNvPr>
@@ -1808,7 +1808,7 @@
           <p:cNvPr id="7" name="Slide Number Placeholder 6">
             <a:extLst>
               <a:ext uri="{FF2B5EF4-FFF2-40B4-BE49-F238E27FC236}">
-                <a16:creationId xmlns:a16="http://schemas.microsoft.com/office/drawing/2014/main" xmlns="" id="{B3C52EB7-B8FB-414E-81ED-01D526F81466}"/>
+                <a16:creationId xmlns:a16="http://schemas.microsoft.com/office/drawing/2014/main" id="{B3C52EB7-B8FB-414E-81ED-01D526F81466}"/>
               </a:ext>
             </a:extLst>
           </p:cNvPr>
@@ -1867,7 +1867,7 @@
           <p:cNvPr id="2" name="Title 1">
             <a:extLst>
               <a:ext uri="{FF2B5EF4-FFF2-40B4-BE49-F238E27FC236}">
-                <a16:creationId xmlns:a16="http://schemas.microsoft.com/office/drawing/2014/main" xmlns="" id="{973ADC8D-A114-43F7-94AD-5E72C1FE7A70}"/>
+                <a16:creationId xmlns:a16="http://schemas.microsoft.com/office/drawing/2014/main" id="{973ADC8D-A114-43F7-94AD-5E72C1FE7A70}"/>
               </a:ext>
             </a:extLst>
           </p:cNvPr>
@@ -1901,7 +1901,7 @@
           <p:cNvPr id="3" name="Text Placeholder 2">
             <a:extLst>
               <a:ext uri="{FF2B5EF4-FFF2-40B4-BE49-F238E27FC236}">
-                <a16:creationId xmlns:a16="http://schemas.microsoft.com/office/drawing/2014/main" xmlns="" id="{E8482EC2-AA76-4E37-92E4-9EBAA9B89F1F}"/>
+                <a16:creationId xmlns:a16="http://schemas.microsoft.com/office/drawing/2014/main" id="{E8482EC2-AA76-4E37-92E4-9EBAA9B89F1F}"/>
               </a:ext>
             </a:extLst>
           </p:cNvPr>
@@ -1972,7 +1972,7 @@
           <p:cNvPr id="4" name="Content Placeholder 3">
             <a:extLst>
               <a:ext uri="{FF2B5EF4-FFF2-40B4-BE49-F238E27FC236}">
-                <a16:creationId xmlns:a16="http://schemas.microsoft.com/office/drawing/2014/main" xmlns="" id="{A3A7747F-4E9E-4074-8E3A-3A96CE35CC0A}"/>
+                <a16:creationId xmlns:a16="http://schemas.microsoft.com/office/drawing/2014/main" id="{A3A7747F-4E9E-4074-8E3A-3A96CE35CC0A}"/>
               </a:ext>
             </a:extLst>
           </p:cNvPr>
@@ -2035,7 +2035,7 @@
           <p:cNvPr id="5" name="Text Placeholder 4">
             <a:extLst>
               <a:ext uri="{FF2B5EF4-FFF2-40B4-BE49-F238E27FC236}">
-                <a16:creationId xmlns:a16="http://schemas.microsoft.com/office/drawing/2014/main" xmlns="" id="{7848593D-BE0A-4B62-AEEC-08F081B590F2}"/>
+                <a16:creationId xmlns:a16="http://schemas.microsoft.com/office/drawing/2014/main" id="{7848593D-BE0A-4B62-AEEC-08F081B590F2}"/>
               </a:ext>
             </a:extLst>
           </p:cNvPr>
@@ -2106,7 +2106,7 @@
           <p:cNvPr id="6" name="Content Placeholder 5">
             <a:extLst>
               <a:ext uri="{FF2B5EF4-FFF2-40B4-BE49-F238E27FC236}">
-                <a16:creationId xmlns:a16="http://schemas.microsoft.com/office/drawing/2014/main" xmlns="" id="{3D641485-1E65-4552-94A4-CCCAEB8AB76F}"/>
+                <a16:creationId xmlns:a16="http://schemas.microsoft.com/office/drawing/2014/main" id="{3D641485-1E65-4552-94A4-CCCAEB8AB76F}"/>
               </a:ext>
             </a:extLst>
           </p:cNvPr>
@@ -2169,7 +2169,7 @@
           <p:cNvPr id="7" name="Date Placeholder 6">
             <a:extLst>
               <a:ext uri="{FF2B5EF4-FFF2-40B4-BE49-F238E27FC236}">
-                <a16:creationId xmlns:a16="http://schemas.microsoft.com/office/drawing/2014/main" xmlns="" id="{E9A3E831-D8B6-4BC8-9364-9DB019CDE7B1}"/>
+                <a16:creationId xmlns:a16="http://schemas.microsoft.com/office/drawing/2014/main" id="{E9A3E831-D8B6-4BC8-9364-9DB019CDE7B1}"/>
               </a:ext>
             </a:extLst>
           </p:cNvPr>
@@ -2198,7 +2198,7 @@
           <p:cNvPr id="8" name="Footer Placeholder 7">
             <a:extLst>
               <a:ext uri="{FF2B5EF4-FFF2-40B4-BE49-F238E27FC236}">
-                <a16:creationId xmlns:a16="http://schemas.microsoft.com/office/drawing/2014/main" xmlns="" id="{F92F0B58-8D31-45D9-A32C-2795C34862C1}"/>
+                <a16:creationId xmlns:a16="http://schemas.microsoft.com/office/drawing/2014/main" id="{F92F0B58-8D31-45D9-A32C-2795C34862C1}"/>
               </a:ext>
             </a:extLst>
           </p:cNvPr>
@@ -2223,7 +2223,7 @@
           <p:cNvPr id="9" name="Slide Number Placeholder 8">
             <a:extLst>
               <a:ext uri="{FF2B5EF4-FFF2-40B4-BE49-F238E27FC236}">
-                <a16:creationId xmlns:a16="http://schemas.microsoft.com/office/drawing/2014/main" xmlns="" id="{D7DBE9C4-7FBE-441B-AEB5-E70385327B74}"/>
+                <a16:creationId xmlns:a16="http://schemas.microsoft.com/office/drawing/2014/main" id="{D7DBE9C4-7FBE-441B-AEB5-E70385327B74}"/>
               </a:ext>
             </a:extLst>
           </p:cNvPr>
@@ -2282,7 +2282,7 @@
           <p:cNvPr id="2" name="Title 1">
             <a:extLst>
               <a:ext uri="{FF2B5EF4-FFF2-40B4-BE49-F238E27FC236}">
-                <a16:creationId xmlns:a16="http://schemas.microsoft.com/office/drawing/2014/main" xmlns="" id="{3A9AD8E0-EDE7-4AE8-A65F-FADB17C1C956}"/>
+                <a16:creationId xmlns:a16="http://schemas.microsoft.com/office/drawing/2014/main" id="{3A9AD8E0-EDE7-4AE8-A65F-FADB17C1C956}"/>
               </a:ext>
             </a:extLst>
           </p:cNvPr>
@@ -2311,7 +2311,7 @@
           <p:cNvPr id="3" name="Date Placeholder 2">
             <a:extLst>
               <a:ext uri="{FF2B5EF4-FFF2-40B4-BE49-F238E27FC236}">
-                <a16:creationId xmlns:a16="http://schemas.microsoft.com/office/drawing/2014/main" xmlns="" id="{790692AA-A26C-4480-8C91-D386C5E6D535}"/>
+                <a16:creationId xmlns:a16="http://schemas.microsoft.com/office/drawing/2014/main" id="{790692AA-A26C-4480-8C91-D386C5E6D535}"/>
               </a:ext>
             </a:extLst>
           </p:cNvPr>
@@ -2340,7 +2340,7 @@
           <p:cNvPr id="4" name="Footer Placeholder 3">
             <a:extLst>
               <a:ext uri="{FF2B5EF4-FFF2-40B4-BE49-F238E27FC236}">
-                <a16:creationId xmlns:a16="http://schemas.microsoft.com/office/drawing/2014/main" xmlns="" id="{1D1A3C7F-16C0-414A-9737-A328608121A7}"/>
+                <a16:creationId xmlns:a16="http://schemas.microsoft.com/office/drawing/2014/main" id="{1D1A3C7F-16C0-414A-9737-A328608121A7}"/>
               </a:ext>
             </a:extLst>
           </p:cNvPr>
@@ -2365,7 +2365,7 @@
           <p:cNvPr id="5" name="Slide Number Placeholder 4">
             <a:extLst>
               <a:ext uri="{FF2B5EF4-FFF2-40B4-BE49-F238E27FC236}">
-                <a16:creationId xmlns:a16="http://schemas.microsoft.com/office/drawing/2014/main" xmlns="" id="{8B7BB70C-9929-48A1-94FB-7B95B2039457}"/>
+                <a16:creationId xmlns:a16="http://schemas.microsoft.com/office/drawing/2014/main" id="{8B7BB70C-9929-48A1-94FB-7B95B2039457}"/>
               </a:ext>
             </a:extLst>
           </p:cNvPr>
@@ -2424,7 +2424,7 @@
           <p:cNvPr id="2" name="Date Placeholder 1">
             <a:extLst>
               <a:ext uri="{FF2B5EF4-FFF2-40B4-BE49-F238E27FC236}">
-                <a16:creationId xmlns:a16="http://schemas.microsoft.com/office/drawing/2014/main" xmlns="" id="{E9EC50FF-ACDF-4D7B-92BC-35F9B0DE00BA}"/>
+                <a16:creationId xmlns:a16="http://schemas.microsoft.com/office/drawing/2014/main" id="{E9EC50FF-ACDF-4D7B-92BC-35F9B0DE00BA}"/>
               </a:ext>
             </a:extLst>
           </p:cNvPr>
@@ -2453,7 +2453,7 @@
           <p:cNvPr id="3" name="Footer Placeholder 2">
             <a:extLst>
               <a:ext uri="{FF2B5EF4-FFF2-40B4-BE49-F238E27FC236}">
-                <a16:creationId xmlns:a16="http://schemas.microsoft.com/office/drawing/2014/main" xmlns="" id="{C385AF33-3D9F-4F8A-8463-20EF8D2DAC9C}"/>
+                <a16:creationId xmlns:a16="http://schemas.microsoft.com/office/drawing/2014/main" id="{C385AF33-3D9F-4F8A-8463-20EF8D2DAC9C}"/>
               </a:ext>
             </a:extLst>
           </p:cNvPr>
@@ -2478,7 +2478,7 @@
           <p:cNvPr id="4" name="Slide Number Placeholder 3">
             <a:extLst>
               <a:ext uri="{FF2B5EF4-FFF2-40B4-BE49-F238E27FC236}">
-                <a16:creationId xmlns:a16="http://schemas.microsoft.com/office/drawing/2014/main" xmlns="" id="{47A1D338-C399-4B9C-ADDB-92060E108F5C}"/>
+                <a16:creationId xmlns:a16="http://schemas.microsoft.com/office/drawing/2014/main" id="{47A1D338-C399-4B9C-ADDB-92060E108F5C}"/>
               </a:ext>
             </a:extLst>
           </p:cNvPr>
@@ -2537,7 +2537,7 @@
           <p:cNvPr id="2" name="Title 1">
             <a:extLst>
               <a:ext uri="{FF2B5EF4-FFF2-40B4-BE49-F238E27FC236}">
-                <a16:creationId xmlns:a16="http://schemas.microsoft.com/office/drawing/2014/main" xmlns="" id="{D7DF6D85-24E6-445C-ADAF-8277AF9096C0}"/>
+                <a16:creationId xmlns:a16="http://schemas.microsoft.com/office/drawing/2014/main" id="{D7DF6D85-24E6-445C-ADAF-8277AF9096C0}"/>
               </a:ext>
             </a:extLst>
           </p:cNvPr>
@@ -2575,7 +2575,7 @@
           <p:cNvPr id="3" name="Content Placeholder 2">
             <a:extLst>
               <a:ext uri="{FF2B5EF4-FFF2-40B4-BE49-F238E27FC236}">
-                <a16:creationId xmlns:a16="http://schemas.microsoft.com/office/drawing/2014/main" xmlns="" id="{2B2712CB-3FB0-4D0F-9899-F271A4A9D721}"/>
+                <a16:creationId xmlns:a16="http://schemas.microsoft.com/office/drawing/2014/main" id="{2B2712CB-3FB0-4D0F-9899-F271A4A9D721}"/>
               </a:ext>
             </a:extLst>
           </p:cNvPr>
@@ -2666,7 +2666,7 @@
           <p:cNvPr id="4" name="Text Placeholder 3">
             <a:extLst>
               <a:ext uri="{FF2B5EF4-FFF2-40B4-BE49-F238E27FC236}">
-                <a16:creationId xmlns:a16="http://schemas.microsoft.com/office/drawing/2014/main" xmlns="" id="{EDA7D21F-F107-4AF5-9994-A79194FE9DA2}"/>
+                <a16:creationId xmlns:a16="http://schemas.microsoft.com/office/drawing/2014/main" id="{EDA7D21F-F107-4AF5-9994-A79194FE9DA2}"/>
               </a:ext>
             </a:extLst>
           </p:cNvPr>
@@ -2737,7 +2737,7 @@
           <p:cNvPr id="5" name="Date Placeholder 4">
             <a:extLst>
               <a:ext uri="{FF2B5EF4-FFF2-40B4-BE49-F238E27FC236}">
-                <a16:creationId xmlns:a16="http://schemas.microsoft.com/office/drawing/2014/main" xmlns="" id="{4CF27CC5-CDCF-4AF8-B113-0B026ACF4C99}"/>
+                <a16:creationId xmlns:a16="http://schemas.microsoft.com/office/drawing/2014/main" id="{4CF27CC5-CDCF-4AF8-B113-0B026ACF4C99}"/>
               </a:ext>
             </a:extLst>
           </p:cNvPr>
@@ -2766,7 +2766,7 @@
           <p:cNvPr id="6" name="Footer Placeholder 5">
             <a:extLst>
               <a:ext uri="{FF2B5EF4-FFF2-40B4-BE49-F238E27FC236}">
-                <a16:creationId xmlns:a16="http://schemas.microsoft.com/office/drawing/2014/main" xmlns="" id="{444CAE06-63D3-445C-A38E-8E99E1DB7F54}"/>
+                <a16:creationId xmlns:a16="http://schemas.microsoft.com/office/drawing/2014/main" id="{444CAE06-63D3-445C-A38E-8E99E1DB7F54}"/>
               </a:ext>
             </a:extLst>
           </p:cNvPr>
@@ -2791,7 +2791,7 @@
           <p:cNvPr id="7" name="Slide Number Placeholder 6">
             <a:extLst>
               <a:ext uri="{FF2B5EF4-FFF2-40B4-BE49-F238E27FC236}">
-                <a16:creationId xmlns:a16="http://schemas.microsoft.com/office/drawing/2014/main" xmlns="" id="{BA17078F-9C7E-4BB7-8538-C7A870E11F94}"/>
+                <a16:creationId xmlns:a16="http://schemas.microsoft.com/office/drawing/2014/main" id="{BA17078F-9C7E-4BB7-8538-C7A870E11F94}"/>
               </a:ext>
             </a:extLst>
           </p:cNvPr>
@@ -2850,7 +2850,7 @@
           <p:cNvPr id="2" name="Title 1">
             <a:extLst>
               <a:ext uri="{FF2B5EF4-FFF2-40B4-BE49-F238E27FC236}">
-                <a16:creationId xmlns:a16="http://schemas.microsoft.com/office/drawing/2014/main" xmlns="" id="{2B2154B2-128C-4125-9562-F44169FB0588}"/>
+                <a16:creationId xmlns:a16="http://schemas.microsoft.com/office/drawing/2014/main" id="{2B2154B2-128C-4125-9562-F44169FB0588}"/>
               </a:ext>
             </a:extLst>
           </p:cNvPr>
@@ -2888,7 +2888,7 @@
           <p:cNvPr id="3" name="Picture Placeholder 2">
             <a:extLst>
               <a:ext uri="{FF2B5EF4-FFF2-40B4-BE49-F238E27FC236}">
-                <a16:creationId xmlns:a16="http://schemas.microsoft.com/office/drawing/2014/main" xmlns="" id="{F42E2A63-04E2-4CBD-A3EB-245C573AAE59}"/>
+                <a16:creationId xmlns:a16="http://schemas.microsoft.com/office/drawing/2014/main" id="{F42E2A63-04E2-4CBD-A3EB-245C573AAE59}"/>
               </a:ext>
             </a:extLst>
           </p:cNvPr>
@@ -2955,7 +2955,7 @@
           <p:cNvPr id="4" name="Text Placeholder 3">
             <a:extLst>
               <a:ext uri="{FF2B5EF4-FFF2-40B4-BE49-F238E27FC236}">
-                <a16:creationId xmlns:a16="http://schemas.microsoft.com/office/drawing/2014/main" xmlns="" id="{3CA18542-581D-4CFD-9688-36001F65D9EF}"/>
+                <a16:creationId xmlns:a16="http://schemas.microsoft.com/office/drawing/2014/main" id="{3CA18542-581D-4CFD-9688-36001F65D9EF}"/>
               </a:ext>
             </a:extLst>
           </p:cNvPr>
@@ -3026,7 +3026,7 @@
           <p:cNvPr id="5" name="Date Placeholder 4">
             <a:extLst>
               <a:ext uri="{FF2B5EF4-FFF2-40B4-BE49-F238E27FC236}">
-                <a16:creationId xmlns:a16="http://schemas.microsoft.com/office/drawing/2014/main" xmlns="" id="{D9B41861-D9B3-4883-9B06-DB0308BF5344}"/>
+                <a16:creationId xmlns:a16="http://schemas.microsoft.com/office/drawing/2014/main" id="{D9B41861-D9B3-4883-9B06-DB0308BF5344}"/>
               </a:ext>
             </a:extLst>
           </p:cNvPr>
@@ -3055,7 +3055,7 @@
           <p:cNvPr id="6" name="Footer Placeholder 5">
             <a:extLst>
               <a:ext uri="{FF2B5EF4-FFF2-40B4-BE49-F238E27FC236}">
-                <a16:creationId xmlns:a16="http://schemas.microsoft.com/office/drawing/2014/main" xmlns="" id="{105B27E2-1DCC-454A-923A-6F56EB2373C1}"/>
+                <a16:creationId xmlns:a16="http://schemas.microsoft.com/office/drawing/2014/main" id="{105B27E2-1DCC-454A-923A-6F56EB2373C1}"/>
               </a:ext>
             </a:extLst>
           </p:cNvPr>
@@ -3080,7 +3080,7 @@
           <p:cNvPr id="7" name="Slide Number Placeholder 6">
             <a:extLst>
               <a:ext uri="{FF2B5EF4-FFF2-40B4-BE49-F238E27FC236}">
-                <a16:creationId xmlns:a16="http://schemas.microsoft.com/office/drawing/2014/main" xmlns="" id="{51CE0931-E50C-4E3C-8EC5-F4526274AEC1}"/>
+                <a16:creationId xmlns:a16="http://schemas.microsoft.com/office/drawing/2014/main" id="{51CE0931-E50C-4E3C-8EC5-F4526274AEC1}"/>
               </a:ext>
             </a:extLst>
           </p:cNvPr>
@@ -3144,7 +3144,7 @@
           <p:cNvPr id="2" name="Title Placeholder 1">
             <a:extLst>
               <a:ext uri="{FF2B5EF4-FFF2-40B4-BE49-F238E27FC236}">
-                <a16:creationId xmlns:a16="http://schemas.microsoft.com/office/drawing/2014/main" xmlns="" id="{6FB21B1B-55F8-482B-BC92-ABE95CDDB609}"/>
+                <a16:creationId xmlns:a16="http://schemas.microsoft.com/office/drawing/2014/main" id="{6FB21B1B-55F8-482B-BC92-ABE95CDDB609}"/>
               </a:ext>
             </a:extLst>
           </p:cNvPr>
@@ -3183,7 +3183,7 @@
           <p:cNvPr id="3" name="Text Placeholder 2">
             <a:extLst>
               <a:ext uri="{FF2B5EF4-FFF2-40B4-BE49-F238E27FC236}">
-                <a16:creationId xmlns:a16="http://schemas.microsoft.com/office/drawing/2014/main" xmlns="" id="{9D18EAFA-8BFF-424A-BFDD-25C1CFD9DB29}"/>
+                <a16:creationId xmlns:a16="http://schemas.microsoft.com/office/drawing/2014/main" id="{9D18EAFA-8BFF-424A-BFDD-25C1CFD9DB29}"/>
               </a:ext>
             </a:extLst>
           </p:cNvPr>
@@ -3251,7 +3251,7 @@
           <p:cNvPr id="4" name="Date Placeholder 3">
             <a:extLst>
               <a:ext uri="{FF2B5EF4-FFF2-40B4-BE49-F238E27FC236}">
-                <a16:creationId xmlns:a16="http://schemas.microsoft.com/office/drawing/2014/main" xmlns="" id="{15B8184F-3F0E-42AC-94AD-81B07AA422D8}"/>
+                <a16:creationId xmlns:a16="http://schemas.microsoft.com/office/drawing/2014/main" id="{15B8184F-3F0E-42AC-94AD-81B07AA422D8}"/>
               </a:ext>
             </a:extLst>
           </p:cNvPr>
@@ -3298,7 +3298,7 @@
           <p:cNvPr id="5" name="Footer Placeholder 4">
             <a:extLst>
               <a:ext uri="{FF2B5EF4-FFF2-40B4-BE49-F238E27FC236}">
-                <a16:creationId xmlns:a16="http://schemas.microsoft.com/office/drawing/2014/main" xmlns="" id="{4F12BA81-9A70-4F10-9193-A3C10E814E20}"/>
+                <a16:creationId xmlns:a16="http://schemas.microsoft.com/office/drawing/2014/main" id="{4F12BA81-9A70-4F10-9193-A3C10E814E20}"/>
               </a:ext>
             </a:extLst>
           </p:cNvPr>
@@ -3341,7 +3341,7 @@
           <p:cNvPr id="6" name="Slide Number Placeholder 5">
             <a:extLst>
               <a:ext uri="{FF2B5EF4-FFF2-40B4-BE49-F238E27FC236}">
-                <a16:creationId xmlns:a16="http://schemas.microsoft.com/office/drawing/2014/main" xmlns="" id="{D18AAF18-1156-44B7-95B6-535A041B9C1D}"/>
+                <a16:creationId xmlns:a16="http://schemas.microsoft.com/office/drawing/2014/main" id="{D18AAF18-1156-44B7-95B6-535A041B9C1D}"/>
               </a:ext>
             </a:extLst>
           </p:cNvPr>
@@ -3709,7 +3709,7 @@
           <p:cNvPr id="5" name="Picture 4">
             <a:extLst>
               <a:ext uri="{FF2B5EF4-FFF2-40B4-BE49-F238E27FC236}">
-                <a16:creationId xmlns:a16="http://schemas.microsoft.com/office/drawing/2014/main" xmlns="" id="{FC484630-C044-4C11-927F-24B62191D1BA}"/>
+                <a16:creationId xmlns:a16="http://schemas.microsoft.com/office/drawing/2014/main" id="{FC484630-C044-4C11-927F-24B62191D1BA}"/>
               </a:ext>
             </a:extLst>
           </p:cNvPr>
@@ -3732,8 +3732,8 @@
         </p:blipFill>
         <p:spPr>
           <a:xfrm>
-            <a:off x="4184116" y="279334"/>
-            <a:ext cx="3244223" cy="4130436"/>
+            <a:off x="4144991" y="917287"/>
+            <a:ext cx="3811569" cy="4852762"/>
           </a:xfrm>
           <a:prstGeom prst="rect">
             <a:avLst/>
@@ -3745,7 +3745,7 @@
           <p:cNvPr id="3" name="Subtitle 2">
             <a:extLst>
               <a:ext uri="{FF2B5EF4-FFF2-40B4-BE49-F238E27FC236}">
-                <a16:creationId xmlns:a16="http://schemas.microsoft.com/office/drawing/2014/main" xmlns="" id="{DE4F9BAD-3472-4E5C-BDAA-38FD41404452}"/>
+                <a16:creationId xmlns:a16="http://schemas.microsoft.com/office/drawing/2014/main" id="{DE4F9BAD-3472-4E5C-BDAA-38FD41404452}"/>
               </a:ext>
             </a:extLst>
           </p:cNvPr>
@@ -3758,7 +3758,7 @@
         </p:nvSpPr>
         <p:spPr>
           <a:xfrm>
-            <a:off x="1234227" y="4699528"/>
+            <a:off x="1234227" y="7283240"/>
             <a:ext cx="9144000" cy="2158472"/>
           </a:xfrm>
         </p:spPr>
@@ -3769,54 +3769,49 @@
           <a:lstStyle/>
           <a:p>
             <a:r>
-              <a:rPr lang="en-GB" sz="2800" dirty="0" err="1" smtClean="0"/>
+              <a:rPr lang="en-GB" sz="2800" dirty="0" err="1"/>
               <a:t>Kacper</a:t>
             </a:r>
             <a:r>
-              <a:rPr lang="en-GB" sz="2800" dirty="0" smtClean="0"/>
+              <a:rPr lang="en-GB" sz="2800" dirty="0"/>
               <a:t> </a:t>
             </a:r>
             <a:r>
-              <a:rPr lang="en-GB" sz="2800" dirty="0" err="1" smtClean="0"/>
+              <a:rPr lang="en-GB" sz="2800" dirty="0" err="1"/>
               <a:t>Kielak</a:t>
             </a:r>
             <a:r>
-              <a:rPr lang="en-GB" sz="2800" dirty="0" smtClean="0"/>
+              <a:rPr lang="en-GB" sz="2800" dirty="0"/>
               <a:t>, </a:t>
             </a:r>
           </a:p>
           <a:p>
             <a:r>
-              <a:rPr lang="en-US" altLang="zh-CN" sz="2800" dirty="0" smtClean="0"/>
+              <a:rPr lang="en-US" altLang="zh-CN" sz="2800" dirty="0"/>
               <a:t>L</a:t>
             </a:r>
             <a:r>
-              <a:rPr lang="en-GB" sz="2800" dirty="0" err="1" smtClean="0"/>
+              <a:rPr lang="en-GB" sz="2800" dirty="0" err="1"/>
               <a:t>eonardo</a:t>
             </a:r>
             <a:r>
-              <a:rPr lang="en-GB" sz="2800" dirty="0" smtClean="0"/>
+              <a:rPr lang="en-GB" sz="2800" dirty="0"/>
               <a:t> </a:t>
             </a:r>
             <a:r>
               <a:rPr lang="en-GB" sz="2800" dirty="0" err="1"/>
-              <a:t>C</a:t>
-            </a:r>
-            <a:r>
-              <a:rPr lang="en-GB" sz="2800" dirty="0" err="1" smtClean="0"/>
-              <a:t>astorina</a:t>
-            </a:r>
-            <a:r>
-              <a:rPr lang="en-GB" sz="2800" dirty="0" smtClean="0"/>
+              <a:t>Castorina</a:t>
+            </a:r>
+            <a:r>
+              <a:rPr lang="en-GB" sz="2800" dirty="0"/>
               <a:t>,</a:t>
             </a:r>
           </a:p>
           <a:p>
             <a:r>
-              <a:rPr lang="en-GB" sz="2800" dirty="0" smtClean="0"/>
+              <a:rPr lang="en-GB" sz="2800" dirty="0"/>
               <a:t>Patrick Chen,</a:t>
             </a:r>
-            <a:endParaRPr lang="en-GB" sz="2800" dirty="0"/>
           </a:p>
           <a:p>
             <a:r>
@@ -3845,13 +3840,6 @@
   <p:clrMapOvr>
     <a:masterClrMapping/>
   </p:clrMapOvr>
-  <p:timing>
-    <p:tnLst>
-      <p:par>
-        <p:cTn id="1" dur="indefinite" restart="never" nodeType="tmRoot"/>
-      </p:par>
-    </p:tnLst>
-  </p:timing>
 </p:sld>
 </file>
 
@@ -3877,7 +3865,7 @@
           <p:cNvPr id="2" name="Title 1">
             <a:extLst>
               <a:ext uri="{FF2B5EF4-FFF2-40B4-BE49-F238E27FC236}">
-                <a16:creationId xmlns:a16="http://schemas.microsoft.com/office/drawing/2014/main" xmlns="" id="{F9103603-0B05-469C-B15B-3191ECDA2E9A}"/>
+                <a16:creationId xmlns:a16="http://schemas.microsoft.com/office/drawing/2014/main" id="{16FC1BFE-97A5-1440-A287-FD79D529A79A}"/>
               </a:ext>
             </a:extLst>
           </p:cNvPr>
@@ -3887,180 +3875,806 @@
           <p:nvPr>
             <p:ph type="title"/>
           </p:nvPr>
+        </p:nvSpPr>
+        <p:spPr/>
+        <p:txBody>
+          <a:bodyPr/>
+          <a:lstStyle/>
+          <a:p>
+            <a:r>
+              <a:rPr lang="en-US" dirty="0"/>
+              <a:t>1. How it works</a:t>
+            </a:r>
+          </a:p>
+        </p:txBody>
+      </p:sp>
+      <p:sp>
+        <p:nvSpPr>
+          <p:cNvPr id="21" name="Process 20">
+            <a:extLst>
+              <a:ext uri="{FF2B5EF4-FFF2-40B4-BE49-F238E27FC236}">
+                <a16:creationId xmlns:a16="http://schemas.microsoft.com/office/drawing/2014/main" id="{2D1C2AA6-D74F-1F45-98F8-10FCAF8A26E1}"/>
+              </a:ext>
+            </a:extLst>
+          </p:cNvPr>
+          <p:cNvSpPr/>
+          <p:nvPr/>
         </p:nvSpPr>
         <p:spPr>
           <a:xfrm>
-            <a:off x="838200" y="614507"/>
-            <a:ext cx="10515600" cy="1147791"/>
+            <a:off x="3249227" y="1829766"/>
+            <a:ext cx="1464590" cy="844658"/>
           </a:xfrm>
+          <a:prstGeom prst="flowChartProcess">
+            <a:avLst/>
+          </a:prstGeom>
+          <a:noFill/>
+          <a:ln w="57150"/>
         </p:spPr>
-        <p:txBody>
-          <a:bodyPr>
-            <a:normAutofit/>
-          </a:bodyPr>
-          <a:lstStyle/>
-          <a:p>
-            <a:r>
-              <a:rPr lang="en-GB" b="1" dirty="0" smtClean="0">
-                <a:latin typeface="+mn-lt"/>
-              </a:rPr>
-              <a:t>The Libraries</a:t>
-            </a:r>
-            <a:endParaRPr lang="en-GB" dirty="0">
-              <a:latin typeface="+mn-lt"/>
-            </a:endParaRPr>
-          </a:p>
-        </p:txBody>
-      </p:sp>
-      <p:sp>
-        <p:nvSpPr>
-          <p:cNvPr id="4" name="Title 1">
-            <a:extLst>
-              <a:ext uri="{FF2B5EF4-FFF2-40B4-BE49-F238E27FC236}">
-                <a16:creationId xmlns:a16="http://schemas.microsoft.com/office/drawing/2014/main" xmlns="" id="{F9103603-0B05-469C-B15B-3191ECDA2E9A}"/>
-              </a:ext>
-            </a:extLst>
-          </p:cNvPr>
-          <p:cNvSpPr txBox="1">
-            <a:spLocks/>
-          </p:cNvSpPr>
+        <p:style>
+          <a:lnRef idx="2">
+            <a:schemeClr val="accent1">
+              <a:shade val="50000"/>
+            </a:schemeClr>
+          </a:lnRef>
+          <a:fillRef idx="1">
+            <a:schemeClr val="accent1"/>
+          </a:fillRef>
+          <a:effectRef idx="0">
+            <a:schemeClr val="accent1"/>
+          </a:effectRef>
+          <a:fontRef idx="minor">
+            <a:schemeClr val="lt1"/>
+          </a:fontRef>
+        </p:style>
+        <p:txBody>
+          <a:bodyPr rtlCol="0" anchor="ctr"/>
+          <a:lstStyle/>
+          <a:p>
+            <a:pPr algn="ctr"/>
+            <a:endParaRPr lang="en-US"/>
+          </a:p>
+        </p:txBody>
+      </p:sp>
+      <p:sp>
+        <p:nvSpPr>
+          <p:cNvPr id="22" name="TextBox 21">
+            <a:extLst>
+              <a:ext uri="{FF2B5EF4-FFF2-40B4-BE49-F238E27FC236}">
+                <a16:creationId xmlns:a16="http://schemas.microsoft.com/office/drawing/2014/main" id="{2E7F1912-853D-734D-B756-59DDBCE0F3F6}"/>
+              </a:ext>
+            </a:extLst>
+          </p:cNvPr>
+          <p:cNvSpPr txBox="1"/>
           <p:nvPr/>
         </p:nvSpPr>
         <p:spPr>
           <a:xfrm>
-            <a:off x="838200" y="1631430"/>
-            <a:ext cx="10515600" cy="2990446"/>
+            <a:off x="3349256" y="1928929"/>
+            <a:ext cx="1275907" cy="923330"/>
           </a:xfrm>
           <a:prstGeom prst="rect">
             <a:avLst/>
           </a:prstGeom>
+          <a:noFill/>
         </p:spPr>
         <p:txBody>
-          <a:bodyPr vert="horz" lIns="91440" tIns="45720" rIns="91440" bIns="45720" rtlCol="0" anchor="ctr">
-            <a:normAutofit lnSpcReduction="10000"/>
+          <a:bodyPr wrap="square" rtlCol="0">
+            <a:spAutoFit/>
           </a:bodyPr>
-          <a:lstStyle>
-            <a:lvl1pPr algn="l" defTabSz="914400" rtl="0" eaLnBrk="1" latinLnBrk="0" hangingPunct="1">
-              <a:lnSpc>
-                <a:spcPct val="90000"/>
-              </a:lnSpc>
-              <a:spcBef>
-                <a:spcPct val="0"/>
-              </a:spcBef>
-              <a:buNone/>
-              <a:defRPr sz="4400" kern="1200">
+          <a:lstStyle/>
+          <a:p>
+            <a:pPr algn="ctr"/>
+            <a:r>
+              <a:rPr lang="en-US" dirty="0"/>
+              <a:t>&gt; 1000 articles</a:t>
+            </a:r>
+          </a:p>
+          <a:p>
+            <a:pPr algn="ctr"/>
+            <a:r>
+              <a:rPr lang="en-US" dirty="0"/>
+              <a:t> </a:t>
+            </a:r>
+          </a:p>
+        </p:txBody>
+      </p:sp>
+      <p:sp>
+        <p:nvSpPr>
+          <p:cNvPr id="23" name="Process 22">
+            <a:extLst>
+              <a:ext uri="{FF2B5EF4-FFF2-40B4-BE49-F238E27FC236}">
+                <a16:creationId xmlns:a16="http://schemas.microsoft.com/office/drawing/2014/main" id="{A14AFBB7-F700-A94D-9432-100EB68D5979}"/>
+              </a:ext>
+            </a:extLst>
+          </p:cNvPr>
+          <p:cNvSpPr/>
+          <p:nvPr/>
+        </p:nvSpPr>
+        <p:spPr>
+          <a:xfrm>
+            <a:off x="5842610" y="1829764"/>
+            <a:ext cx="1738392" cy="844658"/>
+          </a:xfrm>
+          <a:prstGeom prst="flowChartProcess">
+            <a:avLst/>
+          </a:prstGeom>
+          <a:noFill/>
+          <a:ln w="57150"/>
+        </p:spPr>
+        <p:style>
+          <a:lnRef idx="2">
+            <a:schemeClr val="accent1">
+              <a:shade val="50000"/>
+            </a:schemeClr>
+          </a:lnRef>
+          <a:fillRef idx="1">
+            <a:schemeClr val="accent1"/>
+          </a:fillRef>
+          <a:effectRef idx="0">
+            <a:schemeClr val="accent1"/>
+          </a:effectRef>
+          <a:fontRef idx="minor">
+            <a:schemeClr val="lt1"/>
+          </a:fontRef>
+        </p:style>
+        <p:txBody>
+          <a:bodyPr rtlCol="0" anchor="ctr"/>
+          <a:lstStyle/>
+          <a:p>
+            <a:pPr algn="ctr"/>
+            <a:endParaRPr lang="en-US"/>
+          </a:p>
+        </p:txBody>
+      </p:sp>
+      <p:sp>
+        <p:nvSpPr>
+          <p:cNvPr id="24" name="TextBox 23">
+            <a:extLst>
+              <a:ext uri="{FF2B5EF4-FFF2-40B4-BE49-F238E27FC236}">
+                <a16:creationId xmlns:a16="http://schemas.microsoft.com/office/drawing/2014/main" id="{DDFFF2FD-6987-264B-BB5B-AC4CBB482544}"/>
+              </a:ext>
+            </a:extLst>
+          </p:cNvPr>
+          <p:cNvSpPr txBox="1"/>
+          <p:nvPr/>
+        </p:nvSpPr>
+        <p:spPr>
+          <a:xfrm>
+            <a:off x="5847777" y="1915618"/>
+            <a:ext cx="1743559" cy="646331"/>
+          </a:xfrm>
+          <a:prstGeom prst="rect">
+            <a:avLst/>
+          </a:prstGeom>
+          <a:noFill/>
+        </p:spPr>
+        <p:txBody>
+          <a:bodyPr wrap="square" rtlCol="0">
+            <a:spAutoFit/>
+          </a:bodyPr>
+          <a:lstStyle/>
+          <a:p>
+            <a:pPr algn="ctr"/>
+            <a:r>
+              <a:rPr lang="en-US" dirty="0"/>
+              <a:t>Language </a:t>
+            </a:r>
+          </a:p>
+          <a:p>
+            <a:pPr algn="ctr"/>
+            <a:r>
+              <a:rPr lang="en-US" dirty="0"/>
+              <a:t>Pre-processing</a:t>
+            </a:r>
+          </a:p>
+        </p:txBody>
+      </p:sp>
+      <p:sp>
+        <p:nvSpPr>
+          <p:cNvPr id="25" name="Process 24">
+            <a:extLst>
+              <a:ext uri="{FF2B5EF4-FFF2-40B4-BE49-F238E27FC236}">
+                <a16:creationId xmlns:a16="http://schemas.microsoft.com/office/drawing/2014/main" id="{9C1153D2-CD7B-6F46-9EA1-C87346A25780}"/>
+              </a:ext>
+            </a:extLst>
+          </p:cNvPr>
+          <p:cNvSpPr/>
+          <p:nvPr/>
+        </p:nvSpPr>
+        <p:spPr>
+          <a:xfrm>
+            <a:off x="8714962" y="1829764"/>
+            <a:ext cx="1738392" cy="844658"/>
+          </a:xfrm>
+          <a:prstGeom prst="flowChartProcess">
+            <a:avLst/>
+          </a:prstGeom>
+          <a:noFill/>
+          <a:ln w="57150"/>
+        </p:spPr>
+        <p:style>
+          <a:lnRef idx="2">
+            <a:schemeClr val="accent1">
+              <a:shade val="50000"/>
+            </a:schemeClr>
+          </a:lnRef>
+          <a:fillRef idx="1">
+            <a:schemeClr val="accent1"/>
+          </a:fillRef>
+          <a:effectRef idx="0">
+            <a:schemeClr val="accent1"/>
+          </a:effectRef>
+          <a:fontRef idx="minor">
+            <a:schemeClr val="lt1"/>
+          </a:fontRef>
+        </p:style>
+        <p:txBody>
+          <a:bodyPr rtlCol="0" anchor="ctr"/>
+          <a:lstStyle/>
+          <a:p>
+            <a:pPr algn="ctr"/>
+            <a:endParaRPr lang="en-US"/>
+          </a:p>
+        </p:txBody>
+      </p:sp>
+      <p:sp>
+        <p:nvSpPr>
+          <p:cNvPr id="26" name="TextBox 25">
+            <a:extLst>
+              <a:ext uri="{FF2B5EF4-FFF2-40B4-BE49-F238E27FC236}">
+                <a16:creationId xmlns:a16="http://schemas.microsoft.com/office/drawing/2014/main" id="{711BA8CB-21F5-3945-8066-F2F2551CDE46}"/>
+              </a:ext>
+            </a:extLst>
+          </p:cNvPr>
+          <p:cNvSpPr txBox="1"/>
+          <p:nvPr/>
+        </p:nvSpPr>
+        <p:spPr>
+          <a:xfrm>
+            <a:off x="1026085" y="2047264"/>
+            <a:ext cx="1840294" cy="369332"/>
+          </a:xfrm>
+          <a:prstGeom prst="rect">
+            <a:avLst/>
+          </a:prstGeom>
+          <a:noFill/>
+        </p:spPr>
+        <p:txBody>
+          <a:bodyPr wrap="square" rtlCol="0">
+            <a:spAutoFit/>
+          </a:bodyPr>
+          <a:lstStyle/>
+          <a:p>
+            <a:pPr algn="ctr"/>
+            <a:r>
+              <a:rPr lang="en-US" b="1" dirty="0">
                 <a:solidFill>
-                  <a:schemeClr val="tx1"/>
+                  <a:schemeClr val="accent1"/>
                 </a:solidFill>
-                <a:latin typeface="+mj-lt"/>
-                <a:ea typeface="+mj-ea"/>
-                <a:cs typeface="+mj-cs"/>
-              </a:defRPr>
-            </a:lvl1pPr>
-          </a:lstStyle>
-          <a:p>
-            <a:r>
-              <a:rPr lang="en-GB" sz="3600" dirty="0" smtClean="0"/>
-              <a:t>Python</a:t>
-            </a:r>
-          </a:p>
-          <a:p>
-            <a:r>
-              <a:rPr lang="en-GB" sz="3600" dirty="0" err="1" smtClean="0"/>
-              <a:t>Scikit</a:t>
-            </a:r>
-            <a:r>
-              <a:rPr lang="en-GB" sz="3600" dirty="0" smtClean="0"/>
-              <a:t>-learn (Machine Learning),</a:t>
-            </a:r>
-          </a:p>
-          <a:p>
-            <a:r>
-              <a:rPr lang="en-US" altLang="zh-CN" sz="3600" dirty="0" smtClean="0"/>
-              <a:t>NLTK</a:t>
-            </a:r>
-            <a:r>
-              <a:rPr lang="zh-CN" altLang="en-US" sz="3600" dirty="0" smtClean="0"/>
-              <a:t> </a:t>
-            </a:r>
-            <a:r>
-              <a:rPr lang="en-US" altLang="zh-CN" sz="3600" dirty="0" smtClean="0"/>
-              <a:t>(Parsing</a:t>
-            </a:r>
-            <a:r>
-              <a:rPr lang="zh-CN" altLang="en-US" sz="3600" dirty="0" smtClean="0"/>
-              <a:t> </a:t>
-            </a:r>
-            <a:r>
-              <a:rPr lang="en-US" altLang="zh-CN" sz="3600" dirty="0" smtClean="0"/>
-              <a:t>news</a:t>
-            </a:r>
-            <a:r>
-              <a:rPr lang="zh-CN" altLang="en-US" sz="3600" dirty="0" smtClean="0"/>
-              <a:t> </a:t>
-            </a:r>
-            <a:r>
-              <a:rPr lang="en-US" altLang="zh-CN" sz="3600" dirty="0" smtClean="0"/>
-              <a:t>with</a:t>
-            </a:r>
-            <a:r>
-              <a:rPr lang="zh-CN" altLang="en-US" sz="3600" dirty="0" smtClean="0"/>
-              <a:t> </a:t>
-            </a:r>
-            <a:r>
-              <a:rPr lang="en-US" altLang="zh-CN" sz="3600" dirty="0" smtClean="0"/>
-              <a:t>NLP</a:t>
-            </a:r>
-            <a:r>
-              <a:rPr lang="zh-CN" altLang="en-US" sz="3600" dirty="0" smtClean="0"/>
-              <a:t> </a:t>
-            </a:r>
-            <a:r>
-              <a:rPr lang="en-US" altLang="zh-CN" sz="3600" dirty="0" smtClean="0"/>
-              <a:t>techniques)</a:t>
-            </a:r>
-            <a:endParaRPr lang="en-GB" sz="3600" dirty="0" smtClean="0"/>
-          </a:p>
-          <a:p>
-            <a:r>
-              <a:rPr lang="en-GB" sz="3600" dirty="0" smtClean="0"/>
-              <a:t>JSON parser</a:t>
-            </a:r>
-          </a:p>
-          <a:p>
-            <a:r>
-              <a:rPr lang="en-GB" sz="3600" dirty="0" smtClean="0"/>
-              <a:t>Web scraper,</a:t>
-            </a:r>
-          </a:p>
-          <a:p>
-            <a:r>
-              <a:rPr lang="en-GB" sz="3600" dirty="0" smtClean="0"/>
-              <a:t>GUI output</a:t>
-            </a:r>
-          </a:p>
-          <a:p>
-            <a:endParaRPr lang="en-GB" sz="3600" dirty="0"/>
+              </a:rPr>
+              <a:t>PROCESSING</a:t>
+            </a:r>
+          </a:p>
+        </p:txBody>
+      </p:sp>
+      <p:sp>
+        <p:nvSpPr>
+          <p:cNvPr id="27" name="TextBox 26">
+            <a:extLst>
+              <a:ext uri="{FF2B5EF4-FFF2-40B4-BE49-F238E27FC236}">
+                <a16:creationId xmlns:a16="http://schemas.microsoft.com/office/drawing/2014/main" id="{E5646CF8-9062-A240-AFA4-63D9DEC1386C}"/>
+              </a:ext>
+            </a:extLst>
+          </p:cNvPr>
+          <p:cNvSpPr txBox="1"/>
+          <p:nvPr/>
+        </p:nvSpPr>
+        <p:spPr>
+          <a:xfrm>
+            <a:off x="1026085" y="3836646"/>
+            <a:ext cx="1840294" cy="369332"/>
+          </a:xfrm>
+          <a:prstGeom prst="rect">
+            <a:avLst/>
+          </a:prstGeom>
+          <a:noFill/>
+        </p:spPr>
+        <p:txBody>
+          <a:bodyPr wrap="square" rtlCol="0">
+            <a:spAutoFit/>
+          </a:bodyPr>
+          <a:lstStyle/>
+          <a:p>
+            <a:pPr algn="ctr"/>
+            <a:r>
+              <a:rPr lang="en-US" b="1" dirty="0">
+                <a:solidFill>
+                  <a:schemeClr val="accent6"/>
+                </a:solidFill>
+              </a:rPr>
+              <a:t>LEARNING</a:t>
+            </a:r>
+          </a:p>
+        </p:txBody>
+      </p:sp>
+      <p:sp>
+        <p:nvSpPr>
+          <p:cNvPr id="28" name="Process 27">
+            <a:extLst>
+              <a:ext uri="{FF2B5EF4-FFF2-40B4-BE49-F238E27FC236}">
+                <a16:creationId xmlns:a16="http://schemas.microsoft.com/office/drawing/2014/main" id="{B8B83446-B694-9A44-BE94-D41ED88A314D}"/>
+              </a:ext>
+            </a:extLst>
+          </p:cNvPr>
+          <p:cNvSpPr/>
+          <p:nvPr/>
+        </p:nvSpPr>
+        <p:spPr>
+          <a:xfrm>
+            <a:off x="5891360" y="3764265"/>
+            <a:ext cx="1642386" cy="518445"/>
+          </a:xfrm>
+          <a:prstGeom prst="flowChartProcess">
+            <a:avLst/>
+          </a:prstGeom>
+          <a:noFill/>
+          <a:ln w="57150">
+            <a:solidFill>
+              <a:schemeClr val="accent6"/>
+            </a:solidFill>
+          </a:ln>
+        </p:spPr>
+        <p:style>
+          <a:lnRef idx="2">
+            <a:schemeClr val="accent1">
+              <a:shade val="50000"/>
+            </a:schemeClr>
+          </a:lnRef>
+          <a:fillRef idx="1">
+            <a:schemeClr val="accent1"/>
+          </a:fillRef>
+          <a:effectRef idx="0">
+            <a:schemeClr val="accent1"/>
+          </a:effectRef>
+          <a:fontRef idx="minor">
+            <a:schemeClr val="lt1"/>
+          </a:fontRef>
+        </p:style>
+        <p:txBody>
+          <a:bodyPr rtlCol="0" anchor="ctr"/>
+          <a:lstStyle/>
+          <a:p>
+            <a:pPr algn="ctr"/>
+            <a:endParaRPr lang="en-US"/>
+          </a:p>
+        </p:txBody>
+      </p:sp>
+      <p:sp>
+        <p:nvSpPr>
+          <p:cNvPr id="29" name="TextBox 28">
+            <a:extLst>
+              <a:ext uri="{FF2B5EF4-FFF2-40B4-BE49-F238E27FC236}">
+                <a16:creationId xmlns:a16="http://schemas.microsoft.com/office/drawing/2014/main" id="{5F131BC2-6B31-1440-B9ED-5BABA9943B75}"/>
+              </a:ext>
+            </a:extLst>
+          </p:cNvPr>
+          <p:cNvSpPr txBox="1"/>
+          <p:nvPr/>
+        </p:nvSpPr>
+        <p:spPr>
+          <a:xfrm>
+            <a:off x="5842610" y="3858765"/>
+            <a:ext cx="1743559" cy="369332"/>
+          </a:xfrm>
+          <a:prstGeom prst="rect">
+            <a:avLst/>
+          </a:prstGeom>
+          <a:noFill/>
+        </p:spPr>
+        <p:txBody>
+          <a:bodyPr wrap="square" rtlCol="0">
+            <a:spAutoFit/>
+          </a:bodyPr>
+          <a:lstStyle/>
+          <a:p>
+            <a:pPr algn="ctr"/>
+            <a:r>
+              <a:rPr lang="en-US" dirty="0"/>
+              <a:t>Random Forest</a:t>
+            </a:r>
+          </a:p>
+        </p:txBody>
+      </p:sp>
+      <p:sp>
+        <p:nvSpPr>
+          <p:cNvPr id="30" name="Right Arrow 29">
+            <a:extLst>
+              <a:ext uri="{FF2B5EF4-FFF2-40B4-BE49-F238E27FC236}">
+                <a16:creationId xmlns:a16="http://schemas.microsoft.com/office/drawing/2014/main" id="{FE3925AC-81CA-6244-AA46-D534AA6E8D04}"/>
+              </a:ext>
+            </a:extLst>
+          </p:cNvPr>
+          <p:cNvSpPr/>
+          <p:nvPr/>
+        </p:nvSpPr>
+        <p:spPr>
+          <a:xfrm>
+            <a:off x="4883891" y="2177271"/>
+            <a:ext cx="804146" cy="149642"/>
+          </a:xfrm>
+          <a:prstGeom prst="rightArrow">
+            <a:avLst/>
+          </a:prstGeom>
+        </p:spPr>
+        <p:style>
+          <a:lnRef idx="2">
+            <a:schemeClr val="accent1">
+              <a:shade val="50000"/>
+            </a:schemeClr>
+          </a:lnRef>
+          <a:fillRef idx="1">
+            <a:schemeClr val="accent1"/>
+          </a:fillRef>
+          <a:effectRef idx="0">
+            <a:schemeClr val="accent1"/>
+          </a:effectRef>
+          <a:fontRef idx="minor">
+            <a:schemeClr val="lt1"/>
+          </a:fontRef>
+        </p:style>
+        <p:txBody>
+          <a:bodyPr rtlCol="0" anchor="ctr"/>
+          <a:lstStyle/>
+          <a:p>
+            <a:pPr algn="ctr"/>
+            <a:endParaRPr lang="en-US"/>
+          </a:p>
+        </p:txBody>
+      </p:sp>
+      <p:sp>
+        <p:nvSpPr>
+          <p:cNvPr id="31" name="Right Arrow 30">
+            <a:extLst>
+              <a:ext uri="{FF2B5EF4-FFF2-40B4-BE49-F238E27FC236}">
+                <a16:creationId xmlns:a16="http://schemas.microsoft.com/office/drawing/2014/main" id="{34A228F7-451A-AB4D-8D94-4367533A7640}"/>
+              </a:ext>
+            </a:extLst>
+          </p:cNvPr>
+          <p:cNvSpPr/>
+          <p:nvPr/>
+        </p:nvSpPr>
+        <p:spPr>
+          <a:xfrm>
+            <a:off x="7743325" y="2177271"/>
+            <a:ext cx="804146" cy="149642"/>
+          </a:xfrm>
+          <a:prstGeom prst="rightArrow">
+            <a:avLst/>
+          </a:prstGeom>
+        </p:spPr>
+        <p:style>
+          <a:lnRef idx="2">
+            <a:schemeClr val="accent1">
+              <a:shade val="50000"/>
+            </a:schemeClr>
+          </a:lnRef>
+          <a:fillRef idx="1">
+            <a:schemeClr val="accent1"/>
+          </a:fillRef>
+          <a:effectRef idx="0">
+            <a:schemeClr val="accent1"/>
+          </a:effectRef>
+          <a:fontRef idx="minor">
+            <a:schemeClr val="lt1"/>
+          </a:fontRef>
+        </p:style>
+        <p:txBody>
+          <a:bodyPr rtlCol="0" anchor="ctr"/>
+          <a:lstStyle/>
+          <a:p>
+            <a:pPr algn="ctr"/>
+            <a:endParaRPr lang="en-US"/>
+          </a:p>
+        </p:txBody>
+      </p:sp>
+      <p:sp>
+        <p:nvSpPr>
+          <p:cNvPr id="32" name="Right Arrow 31">
+            <a:extLst>
+              <a:ext uri="{FF2B5EF4-FFF2-40B4-BE49-F238E27FC236}">
+                <a16:creationId xmlns:a16="http://schemas.microsoft.com/office/drawing/2014/main" id="{CB221AD3-27CB-3345-808E-C5F5FF3D8DDD}"/>
+              </a:ext>
+            </a:extLst>
+          </p:cNvPr>
+          <p:cNvSpPr/>
+          <p:nvPr/>
+        </p:nvSpPr>
+        <p:spPr>
+          <a:xfrm rot="9184615">
+            <a:off x="7551869" y="3188675"/>
+            <a:ext cx="1717089" cy="140858"/>
+          </a:xfrm>
+          <a:prstGeom prst="rightArrow">
+            <a:avLst/>
+          </a:prstGeom>
+          <a:solidFill>
+            <a:schemeClr val="accent6"/>
+          </a:solidFill>
+          <a:ln>
+            <a:solidFill>
+              <a:schemeClr val="accent6">
+                <a:lumMod val="75000"/>
+              </a:schemeClr>
+            </a:solidFill>
+          </a:ln>
+        </p:spPr>
+        <p:style>
+          <a:lnRef idx="2">
+            <a:schemeClr val="accent1">
+              <a:shade val="50000"/>
+            </a:schemeClr>
+          </a:lnRef>
+          <a:fillRef idx="1">
+            <a:schemeClr val="accent1"/>
+          </a:fillRef>
+          <a:effectRef idx="0">
+            <a:schemeClr val="accent1"/>
+          </a:effectRef>
+          <a:fontRef idx="minor">
+            <a:schemeClr val="lt1"/>
+          </a:fontRef>
+        </p:style>
+        <p:txBody>
+          <a:bodyPr rtlCol="0" anchor="ctr"/>
+          <a:lstStyle/>
+          <a:p>
+            <a:pPr algn="ctr"/>
+            <a:endParaRPr lang="en-US"/>
+          </a:p>
+        </p:txBody>
+      </p:sp>
+      <p:sp>
+        <p:nvSpPr>
+          <p:cNvPr id="33" name="TextBox 32">
+            <a:extLst>
+              <a:ext uri="{FF2B5EF4-FFF2-40B4-BE49-F238E27FC236}">
+                <a16:creationId xmlns:a16="http://schemas.microsoft.com/office/drawing/2014/main" id="{2855C528-42AC-DB4C-BB91-543C22840BE5}"/>
+              </a:ext>
+            </a:extLst>
+          </p:cNvPr>
+          <p:cNvSpPr txBox="1"/>
+          <p:nvPr/>
+        </p:nvSpPr>
+        <p:spPr>
+          <a:xfrm>
+            <a:off x="1026085" y="5488634"/>
+            <a:ext cx="1840294" cy="369332"/>
+          </a:xfrm>
+          <a:prstGeom prst="rect">
+            <a:avLst/>
+          </a:prstGeom>
+          <a:noFill/>
+        </p:spPr>
+        <p:txBody>
+          <a:bodyPr wrap="square" rtlCol="0">
+            <a:spAutoFit/>
+          </a:bodyPr>
+          <a:lstStyle/>
+          <a:p>
+            <a:pPr algn="ctr"/>
+            <a:r>
+              <a:rPr lang="en-US" b="1" dirty="0">
+                <a:solidFill>
+                  <a:schemeClr val="accent2"/>
+                </a:solidFill>
+              </a:rPr>
+              <a:t>PREDICTION</a:t>
+            </a:r>
+          </a:p>
+        </p:txBody>
+      </p:sp>
+      <p:sp>
+        <p:nvSpPr>
+          <p:cNvPr id="34" name="Process 33">
+            <a:extLst>
+              <a:ext uri="{FF2B5EF4-FFF2-40B4-BE49-F238E27FC236}">
+                <a16:creationId xmlns:a16="http://schemas.microsoft.com/office/drawing/2014/main" id="{E2F4D2B8-8DFB-FE4E-BBFE-8163A018E697}"/>
+              </a:ext>
+            </a:extLst>
+          </p:cNvPr>
+          <p:cNvSpPr/>
+          <p:nvPr/>
+        </p:nvSpPr>
+        <p:spPr>
+          <a:xfrm>
+            <a:off x="5976926" y="5317940"/>
+            <a:ext cx="1556820" cy="710720"/>
+          </a:xfrm>
+          <a:prstGeom prst="flowChartProcess">
+            <a:avLst/>
+          </a:prstGeom>
+          <a:noFill/>
+          <a:ln w="57150">
+            <a:solidFill>
+              <a:schemeClr val="accent2"/>
+            </a:solidFill>
+          </a:ln>
+        </p:spPr>
+        <p:style>
+          <a:lnRef idx="2">
+            <a:schemeClr val="accent1">
+              <a:shade val="50000"/>
+            </a:schemeClr>
+          </a:lnRef>
+          <a:fillRef idx="1">
+            <a:schemeClr val="accent1"/>
+          </a:fillRef>
+          <a:effectRef idx="0">
+            <a:schemeClr val="accent1"/>
+          </a:effectRef>
+          <a:fontRef idx="minor">
+            <a:schemeClr val="lt1"/>
+          </a:fontRef>
+        </p:style>
+        <p:txBody>
+          <a:bodyPr rtlCol="0" anchor="ctr"/>
+          <a:lstStyle/>
+          <a:p>
+            <a:pPr algn="ctr"/>
+            <a:endParaRPr lang="en-US"/>
+          </a:p>
+        </p:txBody>
+      </p:sp>
+      <p:sp>
+        <p:nvSpPr>
+          <p:cNvPr id="35" name="TextBox 34">
+            <a:extLst>
+              <a:ext uri="{FF2B5EF4-FFF2-40B4-BE49-F238E27FC236}">
+                <a16:creationId xmlns:a16="http://schemas.microsoft.com/office/drawing/2014/main" id="{E9AB12A5-9108-2A40-97D3-7C441313F02E}"/>
+              </a:ext>
+            </a:extLst>
+          </p:cNvPr>
+          <p:cNvSpPr txBox="1"/>
+          <p:nvPr/>
+        </p:nvSpPr>
+        <p:spPr>
+          <a:xfrm>
+            <a:off x="6026105" y="5458412"/>
+            <a:ext cx="1515737" cy="646331"/>
+          </a:xfrm>
+          <a:prstGeom prst="rect">
+            <a:avLst/>
+          </a:prstGeom>
+          <a:noFill/>
+        </p:spPr>
+        <p:txBody>
+          <a:bodyPr wrap="square" rtlCol="0">
+            <a:spAutoFit/>
+          </a:bodyPr>
+          <a:lstStyle/>
+          <a:p>
+            <a:pPr algn="ctr"/>
+            <a:r>
+              <a:rPr lang="en-US" dirty="0"/>
+              <a:t>Clean or not?</a:t>
+            </a:r>
+          </a:p>
+          <a:p>
+            <a:pPr algn="ctr"/>
+            <a:endParaRPr lang="en-US" dirty="0"/>
+          </a:p>
+        </p:txBody>
+      </p:sp>
+      <p:sp>
+        <p:nvSpPr>
+          <p:cNvPr id="36" name="Right Arrow 35">
+            <a:extLst>
+              <a:ext uri="{FF2B5EF4-FFF2-40B4-BE49-F238E27FC236}">
+                <a16:creationId xmlns:a16="http://schemas.microsoft.com/office/drawing/2014/main" id="{7D226E65-3461-5A4A-A98E-4ADF5D62A34A}"/>
+              </a:ext>
+            </a:extLst>
+          </p:cNvPr>
+          <p:cNvSpPr/>
+          <p:nvPr/>
+        </p:nvSpPr>
+        <p:spPr>
+          <a:xfrm rot="5400000">
+            <a:off x="6386136" y="4725333"/>
+            <a:ext cx="742114" cy="137816"/>
+          </a:xfrm>
+          <a:prstGeom prst="rightArrow">
+            <a:avLst/>
+          </a:prstGeom>
+          <a:solidFill>
+            <a:schemeClr val="accent2"/>
+          </a:solidFill>
+          <a:ln>
+            <a:solidFill>
+              <a:schemeClr val="accent2">
+                <a:lumMod val="75000"/>
+              </a:schemeClr>
+            </a:solidFill>
+          </a:ln>
+        </p:spPr>
+        <p:style>
+          <a:lnRef idx="2">
+            <a:schemeClr val="accent1">
+              <a:shade val="50000"/>
+            </a:schemeClr>
+          </a:lnRef>
+          <a:fillRef idx="1">
+            <a:schemeClr val="accent1"/>
+          </a:fillRef>
+          <a:effectRef idx="0">
+            <a:schemeClr val="accent1"/>
+          </a:effectRef>
+          <a:fontRef idx="minor">
+            <a:schemeClr val="lt1"/>
+          </a:fontRef>
+        </p:style>
+        <p:txBody>
+          <a:bodyPr rtlCol="0" anchor="ctr"/>
+          <a:lstStyle/>
+          <a:p>
+            <a:pPr algn="ctr"/>
+            <a:endParaRPr lang="en-US"/>
+          </a:p>
+        </p:txBody>
+      </p:sp>
+      <p:sp>
+        <p:nvSpPr>
+          <p:cNvPr id="38" name="TextBox 37">
+            <a:extLst>
+              <a:ext uri="{FF2B5EF4-FFF2-40B4-BE49-F238E27FC236}">
+                <a16:creationId xmlns:a16="http://schemas.microsoft.com/office/drawing/2014/main" id="{C3EE7BDA-56BE-D543-8654-ACBDF61CFB35}"/>
+              </a:ext>
+            </a:extLst>
+          </p:cNvPr>
+          <p:cNvSpPr txBox="1"/>
+          <p:nvPr/>
+        </p:nvSpPr>
+        <p:spPr>
+          <a:xfrm>
+            <a:off x="8712378" y="1928929"/>
+            <a:ext cx="1743559" cy="646331"/>
+          </a:xfrm>
+          <a:prstGeom prst="rect">
+            <a:avLst/>
+          </a:prstGeom>
+          <a:noFill/>
+        </p:spPr>
+        <p:txBody>
+          <a:bodyPr wrap="square" rtlCol="0">
+            <a:spAutoFit/>
+          </a:bodyPr>
+          <a:lstStyle/>
+          <a:p>
+            <a:pPr algn="ctr"/>
+            <a:r>
+              <a:rPr lang="en-US" dirty="0"/>
+              <a:t>Feature</a:t>
+            </a:r>
+          </a:p>
+          <a:p>
+            <a:pPr algn="ctr"/>
+            <a:r>
+              <a:rPr lang="en-US" dirty="0"/>
+              <a:t>Engineering</a:t>
+            </a:r>
           </a:p>
         </p:txBody>
       </p:sp>
     </p:spTree>
     <p:extLst>
       <p:ext uri="{BB962C8B-B14F-4D97-AF65-F5344CB8AC3E}">
-        <p14:creationId xmlns:p14="http://schemas.microsoft.com/office/powerpoint/2010/main" val="962216009"/>
+        <p14:creationId xmlns:p14="http://schemas.microsoft.com/office/powerpoint/2010/main" val="2550726896"/>
       </p:ext>
     </p:extLst>
   </p:cSld>
   <p:clrMapOvr>
     <a:masterClrMapping/>
   </p:clrMapOvr>
-  <p:timing>
-    <p:tnLst>
-      <p:par>
-        <p:cTn id="1" dur="indefinite" restart="never" nodeType="tmRoot"/>
-      </p:par>
-    </p:tnLst>
-  </p:timing>
 </p:sld>
 </file>
 
@@ -4086,7 +4700,7 @@
           <p:cNvPr id="2" name="Title 1">
             <a:extLst>
               <a:ext uri="{FF2B5EF4-FFF2-40B4-BE49-F238E27FC236}">
-                <a16:creationId xmlns:a16="http://schemas.microsoft.com/office/drawing/2014/main" xmlns="" id="{D4BCD7F3-D808-4083-B535-59D98D2264D9}"/>
+                <a16:creationId xmlns:a16="http://schemas.microsoft.com/office/drawing/2014/main" id="{D4BCD7F3-D808-4083-B535-59D98D2264D9}"/>
               </a:ext>
             </a:extLst>
           </p:cNvPr>
@@ -4109,94 +4723,78 @@
           </a:bodyPr>
           <a:lstStyle/>
           <a:p>
-            <a:r>
-              <a:rPr lang="en-GB" dirty="0" smtClean="0"/>
-              <a:t/>
-            </a:r>
-            <a:br>
-              <a:rPr lang="en-GB" dirty="0" smtClean="0"/>
-            </a:br>
-            <a:r>
-              <a:rPr lang="en-GB" dirty="0" smtClean="0"/>
-              <a:t>1. Parse fake/real news data found online</a:t>
-            </a:r>
-            <a:r>
-              <a:rPr lang="zh-CN" altLang="en-US" dirty="0" smtClean="0"/>
-              <a:t> </a:t>
-            </a:r>
-            <a:r>
-              <a:rPr lang="en-US" altLang="zh-CN" dirty="0" smtClean="0"/>
-              <a:t>with</a:t>
-            </a:r>
-            <a:r>
-              <a:rPr lang="zh-CN" altLang="en-US" dirty="0" smtClean="0"/>
-              <a:t> </a:t>
-            </a:r>
-            <a:r>
-              <a:rPr lang="en-US" altLang="zh-CN" dirty="0" smtClean="0"/>
-              <a:t>NLP</a:t>
-            </a:r>
-            <a:r>
-              <a:rPr lang="zh-CN" altLang="en-US" dirty="0" smtClean="0"/>
-              <a:t> </a:t>
-            </a:r>
-            <a:r>
-              <a:rPr lang="en-US" altLang="zh-CN" dirty="0" smtClean="0"/>
-              <a:t>tools</a:t>
-            </a:r>
-            <a:r>
-              <a:rPr lang="en-GB" dirty="0" smtClean="0"/>
-              <a:t/>
-            </a:r>
-            <a:br>
-              <a:rPr lang="en-GB" dirty="0" smtClean="0"/>
-            </a:br>
-            <a:r>
-              <a:rPr lang="en-GB" dirty="0" smtClean="0"/>
-              <a:t>2. Construct and feed data to machine learning (ML) model</a:t>
-            </a:r>
-            <a:br>
-              <a:rPr lang="en-GB" dirty="0" smtClean="0"/>
-            </a:br>
-            <a:r>
-              <a:rPr lang="en-GB" dirty="0" smtClean="0"/>
-              <a:t>3. Select and fine-tune model (chosen Random Forest)</a:t>
-            </a:r>
-            <a:br>
-              <a:rPr lang="en-GB" dirty="0" smtClean="0"/>
-            </a:br>
-            <a:r>
-              <a:rPr lang="en-GB" dirty="0" smtClean="0"/>
-              <a:t>4. Scraped a list of fake news domains in both English and Italian.</a:t>
-            </a:r>
-            <a:br>
-              <a:rPr lang="en-GB" dirty="0" smtClean="0"/>
-            </a:br>
-            <a:r>
-              <a:rPr lang="en-GB" dirty="0" smtClean="0"/>
-              <a:t>5. News checked against the list, then result is combined with ML result</a:t>
-            </a:r>
-            <a:br>
-              <a:rPr lang="en-GB" dirty="0" smtClean="0"/>
-            </a:br>
-            <a:r>
-              <a:rPr lang="en-GB" dirty="0" smtClean="0"/>
-              <a:t>6. GUI output to show the probability.</a:t>
-            </a:r>
-            <a:br>
-              <a:rPr lang="en-GB" dirty="0" smtClean="0"/>
-            </a:br>
-            <a:r>
-              <a:rPr lang="en-GB" dirty="0"/>
-              <a:t/>
-            </a:r>
             <a:br>
               <a:rPr lang="en-GB" dirty="0"/>
             </a:br>
             <a:r>
               <a:rPr lang="en-GB" dirty="0"/>
-              <a:t/>
-            </a:r>
+              <a:t>1. Parse fake/real news data found online</a:t>
+            </a:r>
+            <a:r>
+              <a:rPr lang="zh-CN" altLang="en-US" dirty="0"/>
+              <a:t> </a:t>
+            </a:r>
+            <a:r>
+              <a:rPr lang="en-US" altLang="zh-CN" dirty="0"/>
+              <a:t>with</a:t>
+            </a:r>
+            <a:r>
+              <a:rPr lang="zh-CN" altLang="en-US" dirty="0"/>
+              <a:t> </a:t>
+            </a:r>
+            <a:r>
+              <a:rPr lang="en-US" altLang="zh-CN" dirty="0"/>
+              <a:t>NLP</a:t>
+            </a:r>
+            <a:r>
+              <a:rPr lang="zh-CN" altLang="en-US" dirty="0"/>
+              <a:t> </a:t>
+            </a:r>
+            <a:r>
+              <a:rPr lang="en-US" altLang="zh-CN" dirty="0"/>
+              <a:t>tools</a:t>
+            </a:r>
+            <a:br>
+              <a:rPr lang="en-GB" dirty="0"/>
+            </a:br>
+            <a:r>
+              <a:rPr lang="en-GB" dirty="0"/>
+              <a:t>2. Construct and feed data to machine learning (ML) model</a:t>
+            </a:r>
+            <a:br>
+              <a:rPr lang="en-GB" dirty="0"/>
+            </a:br>
+            <a:r>
+              <a:rPr lang="en-GB" dirty="0"/>
+              <a:t>3. Select and fine-tune model (chosen Random Forest)</a:t>
+            </a:r>
+            <a:br>
+              <a:rPr lang="en-GB" dirty="0"/>
+            </a:br>
+            <a:r>
+              <a:rPr lang="en-GB" dirty="0"/>
+              <a:t>4. Scraped a list of fake news domains in both English and Italian.</a:t>
+            </a:r>
+            <a:br>
+              <a:rPr lang="en-GB" dirty="0"/>
+            </a:br>
+            <a:r>
+              <a:rPr lang="en-GB" dirty="0"/>
+              <a:t>5. News checked against the list, then result is combined with ML result</a:t>
+            </a:r>
+            <a:br>
+              <a:rPr lang="en-GB" dirty="0"/>
+            </a:br>
+            <a:r>
+              <a:rPr lang="en-GB" dirty="0"/>
+              <a:t>6. GUI output to show the probability.</a:t>
+            </a:r>
+            <a:br>
+              <a:rPr lang="en-GB" dirty="0"/>
+            </a:br>
+            <a:br>
+              <a:rPr lang="en-GB" dirty="0"/>
+            </a:br>
             <a:br>
               <a:rPr lang="en-GB" dirty="0"/>
             </a:br>
@@ -4269,7 +4867,7 @@
           <p:cNvPr id="2" name="Title 1">
             <a:extLst>
               <a:ext uri="{FF2B5EF4-FFF2-40B4-BE49-F238E27FC236}">
-                <a16:creationId xmlns:a16="http://schemas.microsoft.com/office/drawing/2014/main" xmlns="" id="{F9103603-0B05-469C-B15B-3191ECDA2E9A}"/>
+                <a16:creationId xmlns:a16="http://schemas.microsoft.com/office/drawing/2014/main" id="{F9103603-0B05-469C-B15B-3191ECDA2E9A}"/>
               </a:ext>
             </a:extLst>
           </p:cNvPr>
@@ -4282,30 +4880,25 @@
         </p:nvSpPr>
         <p:spPr>
           <a:xfrm>
-            <a:off x="838200" y="980267"/>
-            <a:ext cx="10515600" cy="848533"/>
+            <a:off x="838200" y="614507"/>
+            <a:ext cx="10515600" cy="1147791"/>
           </a:xfrm>
         </p:spPr>
         <p:txBody>
           <a:bodyPr>
-            <a:normAutofit fontScale="90000"/>
+            <a:normAutofit/>
           </a:bodyPr>
           <a:lstStyle/>
           <a:p>
             <a:r>
-              <a:rPr lang="en-GB" b="1" dirty="0" smtClean="0">
+              <a:rPr lang="en-GB" b="1" dirty="0">
                 <a:latin typeface="+mn-lt"/>
               </a:rPr>
-              <a:t>Results</a:t>
-            </a:r>
-            <a:r>
-              <a:rPr lang="en-US" b="1" dirty="0" smtClean="0"/>
-              <a:t/>
-            </a:r>
-            <a:br>
-              <a:rPr lang="en-US" b="1" dirty="0" smtClean="0"/>
-            </a:br>
-            <a:endParaRPr lang="en-GB" dirty="0"/>
+              <a:t>The Libraries</a:t>
+            </a:r>
+            <a:endParaRPr lang="en-GB" dirty="0">
+              <a:latin typeface="+mn-lt"/>
+            </a:endParaRPr>
           </a:p>
         </p:txBody>
       </p:sp>
@@ -4314,7 +4907,7 @@
           <p:cNvPr id="4" name="Title 1">
             <a:extLst>
               <a:ext uri="{FF2B5EF4-FFF2-40B4-BE49-F238E27FC236}">
-                <a16:creationId xmlns:a16="http://schemas.microsoft.com/office/drawing/2014/main" xmlns="" id="{F9103603-0B05-469C-B15B-3191ECDA2E9A}"/>
+                <a16:creationId xmlns:a16="http://schemas.microsoft.com/office/drawing/2014/main" id="{F9103603-0B05-469C-B15B-3191ECDA2E9A}"/>
               </a:ext>
             </a:extLst>
           </p:cNvPr>
@@ -4357,27 +4950,86 @@
           </a:lstStyle>
           <a:p>
             <a:r>
-              <a:rPr lang="en-GB" sz="3600" dirty="0" smtClean="0"/>
-              <a:t>We split data collected into 5 portions. </a:t>
-            </a:r>
-          </a:p>
-          <a:p>
+              <a:rPr lang="en-GB" sz="3600" dirty="0"/>
+              <a:t>Python</a:t>
+            </a:r>
+          </a:p>
+          <a:p>
+            <a:r>
+              <a:rPr lang="en-GB" sz="3600" dirty="0" err="1"/>
+              <a:t>Scikit</a:t>
+            </a:r>
+            <a:r>
+              <a:rPr lang="en-GB" sz="3600" dirty="0"/>
+              <a:t>-learn (Machine Learning),</a:t>
+            </a:r>
+          </a:p>
+          <a:p>
+            <a:r>
+              <a:rPr lang="en-US" altLang="zh-CN" sz="3600" dirty="0"/>
+              <a:t>NLTK</a:t>
+            </a:r>
+            <a:r>
+              <a:rPr lang="zh-CN" altLang="en-US" sz="3600" dirty="0"/>
+              <a:t> </a:t>
+            </a:r>
+            <a:r>
+              <a:rPr lang="en-US" altLang="zh-CN" sz="3600" dirty="0"/>
+              <a:t>(Parsing</a:t>
+            </a:r>
+            <a:r>
+              <a:rPr lang="zh-CN" altLang="en-US" sz="3600" dirty="0"/>
+              <a:t> </a:t>
+            </a:r>
+            <a:r>
+              <a:rPr lang="en-US" altLang="zh-CN" sz="3600" dirty="0"/>
+              <a:t>news</a:t>
+            </a:r>
+            <a:r>
+              <a:rPr lang="zh-CN" altLang="en-US" sz="3600" dirty="0"/>
+              <a:t> </a:t>
+            </a:r>
+            <a:r>
+              <a:rPr lang="en-US" altLang="zh-CN" sz="3600" dirty="0"/>
+              <a:t>with</a:t>
+            </a:r>
+            <a:r>
+              <a:rPr lang="zh-CN" altLang="en-US" sz="3600" dirty="0"/>
+              <a:t> </a:t>
+            </a:r>
+            <a:r>
+              <a:rPr lang="en-US" altLang="zh-CN" sz="3600" dirty="0"/>
+              <a:t>NLP</a:t>
+            </a:r>
+            <a:r>
+              <a:rPr lang="zh-CN" altLang="en-US" sz="3600" dirty="0"/>
+              <a:t> </a:t>
+            </a:r>
+            <a:r>
+              <a:rPr lang="en-US" altLang="zh-CN" sz="3600" dirty="0"/>
+              <a:t>techniques)</a:t>
+            </a:r>
             <a:endParaRPr lang="en-GB" sz="3600" dirty="0"/>
           </a:p>
           <a:p>
             <a:r>
-              <a:rPr lang="en-GB" sz="3600" dirty="0" smtClean="0"/>
-              <a:t>ML model was trained on 4 portions and the leftover 1/5 of data was used as test data.</a:t>
-            </a:r>
-          </a:p>
-          <a:p>
-            <a:endParaRPr lang="en-GB" sz="3600" dirty="0"/>
-          </a:p>
-          <a:p>
-            <a:r>
-              <a:rPr lang="en-GB" sz="3600" dirty="0" smtClean="0"/>
-              <a:t>Accuracy of classification goes up to 80%</a:t>
-            </a:r>
+              <a:rPr lang="en-GB" sz="3600" dirty="0"/>
+              <a:t>JSON parser</a:t>
+            </a:r>
+          </a:p>
+          <a:p>
+            <a:r>
+              <a:rPr lang="en-GB" sz="3600" dirty="0"/>
+              <a:t>Web scraper,</a:t>
+            </a:r>
+          </a:p>
+          <a:p>
+            <a:r>
+              <a:rPr lang="en-GB" sz="3600" dirty="0"/>
+              <a:t>GUI output</a:t>
+            </a:r>
+          </a:p>
+          <a:p>
             <a:endParaRPr lang="en-GB" sz="3600" dirty="0"/>
           </a:p>
         </p:txBody>
@@ -4385,7 +5037,7 @@
     </p:spTree>
     <p:extLst>
       <p:ext uri="{BB962C8B-B14F-4D97-AF65-F5344CB8AC3E}">
-        <p14:creationId xmlns:p14="http://schemas.microsoft.com/office/powerpoint/2010/main" val="2714438661"/>
+        <p14:creationId xmlns:p14="http://schemas.microsoft.com/office/powerpoint/2010/main" val="962216009"/>
       </p:ext>
     </p:extLst>
   </p:cSld>
@@ -4417,7 +5069,150 @@
           <p:cNvPr id="2" name="Title 1">
             <a:extLst>
               <a:ext uri="{FF2B5EF4-FFF2-40B4-BE49-F238E27FC236}">
-                <a16:creationId xmlns:a16="http://schemas.microsoft.com/office/drawing/2014/main" xmlns="" id="{F9103603-0B05-469C-B15B-3191ECDA2E9A}"/>
+                <a16:creationId xmlns:a16="http://schemas.microsoft.com/office/drawing/2014/main" id="{F9103603-0B05-469C-B15B-3191ECDA2E9A}"/>
+              </a:ext>
+            </a:extLst>
+          </p:cNvPr>
+          <p:cNvSpPr>
+            <a:spLocks noGrp="1"/>
+          </p:cNvSpPr>
+          <p:nvPr>
+            <p:ph type="title"/>
+          </p:nvPr>
+        </p:nvSpPr>
+        <p:spPr>
+          <a:xfrm>
+            <a:off x="838200" y="980267"/>
+            <a:ext cx="10515600" cy="848533"/>
+          </a:xfrm>
+        </p:spPr>
+        <p:txBody>
+          <a:bodyPr>
+            <a:normAutofit fontScale="90000"/>
+          </a:bodyPr>
+          <a:lstStyle/>
+          <a:p>
+            <a:r>
+              <a:rPr lang="en-GB" b="1" dirty="0">
+                <a:latin typeface="+mn-lt"/>
+              </a:rPr>
+              <a:t>Results</a:t>
+            </a:r>
+            <a:br>
+              <a:rPr lang="en-US" b="1" dirty="0"/>
+            </a:br>
+            <a:endParaRPr lang="en-GB" dirty="0"/>
+          </a:p>
+        </p:txBody>
+      </p:sp>
+      <p:sp>
+        <p:nvSpPr>
+          <p:cNvPr id="4" name="Title 1">
+            <a:extLst>
+              <a:ext uri="{FF2B5EF4-FFF2-40B4-BE49-F238E27FC236}">
+                <a16:creationId xmlns:a16="http://schemas.microsoft.com/office/drawing/2014/main" id="{F9103603-0B05-469C-B15B-3191ECDA2E9A}"/>
+              </a:ext>
+            </a:extLst>
+          </p:cNvPr>
+          <p:cNvSpPr txBox="1">
+            <a:spLocks/>
+          </p:cNvSpPr>
+          <p:nvPr/>
+        </p:nvSpPr>
+        <p:spPr>
+          <a:xfrm>
+            <a:off x="838200" y="1631430"/>
+            <a:ext cx="10515600" cy="2990446"/>
+          </a:xfrm>
+          <a:prstGeom prst="rect">
+            <a:avLst/>
+          </a:prstGeom>
+        </p:spPr>
+        <p:txBody>
+          <a:bodyPr vert="horz" lIns="91440" tIns="45720" rIns="91440" bIns="45720" rtlCol="0" anchor="ctr">
+            <a:normAutofit lnSpcReduction="10000"/>
+          </a:bodyPr>
+          <a:lstStyle>
+            <a:lvl1pPr algn="l" defTabSz="914400" rtl="0" eaLnBrk="1" latinLnBrk="0" hangingPunct="1">
+              <a:lnSpc>
+                <a:spcPct val="90000"/>
+              </a:lnSpc>
+              <a:spcBef>
+                <a:spcPct val="0"/>
+              </a:spcBef>
+              <a:buNone/>
+              <a:defRPr sz="4400" kern="1200">
+                <a:solidFill>
+                  <a:schemeClr val="tx1"/>
+                </a:solidFill>
+                <a:latin typeface="+mj-lt"/>
+                <a:ea typeface="+mj-ea"/>
+                <a:cs typeface="+mj-cs"/>
+              </a:defRPr>
+            </a:lvl1pPr>
+          </a:lstStyle>
+          <a:p>
+            <a:r>
+              <a:rPr lang="en-GB" sz="3600" dirty="0"/>
+              <a:t>We split data collected into 5 portions. </a:t>
+            </a:r>
+          </a:p>
+          <a:p>
+            <a:endParaRPr lang="en-GB" sz="3600" dirty="0"/>
+          </a:p>
+          <a:p>
+            <a:r>
+              <a:rPr lang="en-GB" sz="3600" dirty="0"/>
+              <a:t>ML model was trained on 4 portions and the leftover 1/5 of data was used as test data.</a:t>
+            </a:r>
+          </a:p>
+          <a:p>
+            <a:endParaRPr lang="en-GB" sz="3600" dirty="0"/>
+          </a:p>
+          <a:p>
+            <a:r>
+              <a:rPr lang="en-GB" sz="3600" dirty="0"/>
+              <a:t>Accuracy of classification goes up to 80%</a:t>
+            </a:r>
+          </a:p>
+        </p:txBody>
+      </p:sp>
+    </p:spTree>
+    <p:extLst>
+      <p:ext uri="{BB962C8B-B14F-4D97-AF65-F5344CB8AC3E}">
+        <p14:creationId xmlns:p14="http://schemas.microsoft.com/office/powerpoint/2010/main" val="2714438661"/>
+      </p:ext>
+    </p:extLst>
+  </p:cSld>
+  <p:clrMapOvr>
+    <a:masterClrMapping/>
+  </p:clrMapOvr>
+</p:sld>
+</file>
+
+<file path=ppt/slides/slide6.xml><?xml version="1.0" encoding="utf-8"?>
+<p:sld xmlns:a="http://schemas.openxmlformats.org/drawingml/2006/main" xmlns:r="http://schemas.openxmlformats.org/officeDocument/2006/relationships" xmlns:p="http://schemas.openxmlformats.org/presentationml/2006/main">
+  <p:cSld>
+    <p:spTree>
+      <p:nvGrpSpPr>
+        <p:cNvPr id="1" name=""/>
+        <p:cNvGrpSpPr/>
+        <p:nvPr/>
+      </p:nvGrpSpPr>
+      <p:grpSpPr>
+        <a:xfrm>
+          <a:off x="0" y="0"/>
+          <a:ext cx="0" cy="0"/>
+          <a:chOff x="0" y="0"/>
+          <a:chExt cx="0" cy="0"/>
+        </a:xfrm>
+      </p:grpSpPr>
+      <p:sp>
+        <p:nvSpPr>
+          <p:cNvPr id="2" name="Title 1">
+            <a:extLst>
+              <a:ext uri="{FF2B5EF4-FFF2-40B4-BE49-F238E27FC236}">
+                <a16:creationId xmlns:a16="http://schemas.microsoft.com/office/drawing/2014/main" id="{F9103603-0B05-469C-B15B-3191ECDA2E9A}"/>
               </a:ext>
             </a:extLst>
           </p:cNvPr>
@@ -4441,7 +5236,7 @@
           <a:lstStyle/>
           <a:p>
             <a:r>
-              <a:rPr lang="en-GB" sz="5400" b="1" dirty="0" smtClean="0"/>
+              <a:rPr lang="en-GB" sz="5400" b="1" dirty="0"/>
               <a:t>Demo time</a:t>
             </a:r>
             <a:endParaRPr lang="en-GB" sz="5400" dirty="0"/>
